--- a/slides/01-Introduction-into-Development.pptx
+++ b/slides/01-Introduction-into-Development.pptx
@@ -60,7 +60,7 @@
       </p:grpSpPr>
       <p:sp>
         <p:nvSpPr>
-          <p:cNvPr id="26" name="PlaceHolder 1"/>
+          <p:cNvPr id="23" name="PlaceHolder 1"/>
           <p:cNvSpPr>
             <a:spLocks noGrp="1"/>
           </p:cNvSpPr>
@@ -70,8 +70,8 @@
         </p:nvSpPr>
         <p:spPr>
           <a:xfrm>
-            <a:off x="457200" y="274680"/>
-            <a:ext cx="8229240" cy="1142640"/>
+            <a:off x="457200" y="273600"/>
+            <a:ext cx="8229240" cy="1144800"/>
           </a:xfrm>
           <a:prstGeom prst="rect">
             <a:avLst/>
@@ -80,13 +80,14 @@
         <p:txBody>
           <a:bodyPr lIns="0" rIns="0" tIns="0" bIns="0" anchor="ctr"/>
           <a:p>
-            <a:endParaRPr/>
-          </a:p>
-        </p:txBody>
-      </p:sp>
-      <p:sp>
-        <p:nvSpPr>
-          <p:cNvPr id="27" name="PlaceHolder 2"/>
+            <a:pPr algn="ctr"/>
+            <a:endParaRPr/>
+          </a:p>
+        </p:txBody>
+      </p:sp>
+      <p:sp>
+        <p:nvSpPr>
+          <p:cNvPr id="24" name="PlaceHolder 2"/>
           <p:cNvSpPr>
             <a:spLocks noGrp="1"/>
           </p:cNvSpPr>
@@ -96,8 +97,8 @@
         </p:nvSpPr>
         <p:spPr>
           <a:xfrm>
-            <a:off x="457200" y="1600200"/>
-            <a:ext cx="8229240" cy="2158560"/>
+            <a:off x="457200" y="1604520"/>
+            <a:ext cx="8229240" cy="1896840"/>
           </a:xfrm>
           <a:prstGeom prst="rect">
             <a:avLst/>
@@ -112,7 +113,7 @@
       </p:sp>
       <p:sp>
         <p:nvSpPr>
-          <p:cNvPr id="28" name="PlaceHolder 3"/>
+          <p:cNvPr id="25" name="PlaceHolder 3"/>
           <p:cNvSpPr>
             <a:spLocks noGrp="1"/>
           </p:cNvSpPr>
@@ -122,8 +123,8 @@
         </p:nvSpPr>
         <p:spPr>
           <a:xfrm>
-            <a:off x="457200" y="3964320"/>
-            <a:ext cx="8229240" cy="2158560"/>
+            <a:off x="457200" y="3682080"/>
+            <a:ext cx="8229240" cy="1896840"/>
           </a:xfrm>
           <a:prstGeom prst="rect">
             <a:avLst/>
@@ -160,7 +161,7 @@
       </p:grpSpPr>
       <p:sp>
         <p:nvSpPr>
-          <p:cNvPr id="29" name="PlaceHolder 1"/>
+          <p:cNvPr id="26" name="PlaceHolder 1"/>
           <p:cNvSpPr>
             <a:spLocks noGrp="1"/>
           </p:cNvSpPr>
@@ -170,8 +171,8 @@
         </p:nvSpPr>
         <p:spPr>
           <a:xfrm>
-            <a:off x="457200" y="274680"/>
-            <a:ext cx="8229240" cy="1142640"/>
+            <a:off x="457200" y="273600"/>
+            <a:ext cx="8229240" cy="1144800"/>
           </a:xfrm>
           <a:prstGeom prst="rect">
             <a:avLst/>
@@ -180,13 +181,14 @@
         <p:txBody>
           <a:bodyPr lIns="0" rIns="0" tIns="0" bIns="0" anchor="ctr"/>
           <a:p>
-            <a:endParaRPr/>
-          </a:p>
-        </p:txBody>
-      </p:sp>
-      <p:sp>
-        <p:nvSpPr>
-          <p:cNvPr id="30" name="PlaceHolder 2"/>
+            <a:pPr algn="ctr"/>
+            <a:endParaRPr/>
+          </a:p>
+        </p:txBody>
+      </p:sp>
+      <p:sp>
+        <p:nvSpPr>
+          <p:cNvPr id="27" name="PlaceHolder 2"/>
           <p:cNvSpPr>
             <a:spLocks noGrp="1"/>
           </p:cNvSpPr>
@@ -196,8 +198,8 @@
         </p:nvSpPr>
         <p:spPr>
           <a:xfrm>
-            <a:off x="457200" y="1600200"/>
-            <a:ext cx="4015800" cy="2158560"/>
+            <a:off x="457200" y="1604520"/>
+            <a:ext cx="4015800" cy="1896840"/>
           </a:xfrm>
           <a:prstGeom prst="rect">
             <a:avLst/>
@@ -212,7 +214,7 @@
       </p:sp>
       <p:sp>
         <p:nvSpPr>
-          <p:cNvPr id="31" name="PlaceHolder 3"/>
+          <p:cNvPr id="28" name="PlaceHolder 3"/>
           <p:cNvSpPr>
             <a:spLocks noGrp="1"/>
           </p:cNvSpPr>
@@ -222,8 +224,8 @@
         </p:nvSpPr>
         <p:spPr>
           <a:xfrm>
-            <a:off x="4674240" y="1600200"/>
-            <a:ext cx="4015800" cy="2158560"/>
+            <a:off x="4674240" y="1604520"/>
+            <a:ext cx="4015800" cy="1896840"/>
           </a:xfrm>
           <a:prstGeom prst="rect">
             <a:avLst/>
@@ -238,7 +240,7 @@
       </p:sp>
       <p:sp>
         <p:nvSpPr>
-          <p:cNvPr id="32" name="PlaceHolder 4"/>
+          <p:cNvPr id="29" name="PlaceHolder 4"/>
           <p:cNvSpPr>
             <a:spLocks noGrp="1"/>
           </p:cNvSpPr>
@@ -248,8 +250,8 @@
         </p:nvSpPr>
         <p:spPr>
           <a:xfrm>
-            <a:off x="4674240" y="3964320"/>
-            <a:ext cx="4015800" cy="2158560"/>
+            <a:off x="4674240" y="3682080"/>
+            <a:ext cx="4015800" cy="1896840"/>
           </a:xfrm>
           <a:prstGeom prst="rect">
             <a:avLst/>
@@ -264,7 +266,7 @@
       </p:sp>
       <p:sp>
         <p:nvSpPr>
-          <p:cNvPr id="33" name="PlaceHolder 5"/>
+          <p:cNvPr id="30" name="PlaceHolder 5"/>
           <p:cNvSpPr>
             <a:spLocks noGrp="1"/>
           </p:cNvSpPr>
@@ -274,8 +276,8 @@
         </p:nvSpPr>
         <p:spPr>
           <a:xfrm>
-            <a:off x="457200" y="3964320"/>
-            <a:ext cx="4015800" cy="2158560"/>
+            <a:off x="457200" y="3682080"/>
+            <a:ext cx="4015800" cy="1896840"/>
           </a:xfrm>
           <a:prstGeom prst="rect">
             <a:avLst/>
@@ -312,7 +314,7 @@
       </p:grpSpPr>
       <p:sp>
         <p:nvSpPr>
-          <p:cNvPr id="34" name="PlaceHolder 1"/>
+          <p:cNvPr id="31" name="PlaceHolder 1"/>
           <p:cNvSpPr>
             <a:spLocks noGrp="1"/>
           </p:cNvSpPr>
@@ -322,8 +324,8 @@
         </p:nvSpPr>
         <p:spPr>
           <a:xfrm>
-            <a:off x="457200" y="274680"/>
-            <a:ext cx="8229240" cy="1142640"/>
+            <a:off x="457200" y="273600"/>
+            <a:ext cx="8229240" cy="1144800"/>
           </a:xfrm>
           <a:prstGeom prst="rect">
             <a:avLst/>
@@ -332,13 +334,14 @@
         <p:txBody>
           <a:bodyPr lIns="0" rIns="0" tIns="0" bIns="0" anchor="ctr"/>
           <a:p>
-            <a:endParaRPr/>
-          </a:p>
-        </p:txBody>
-      </p:sp>
-      <p:sp>
-        <p:nvSpPr>
-          <p:cNvPr id="35" name="PlaceHolder 2"/>
+            <a:pPr algn="ctr"/>
+            <a:endParaRPr/>
+          </a:p>
+        </p:txBody>
+      </p:sp>
+      <p:sp>
+        <p:nvSpPr>
+          <p:cNvPr id="32" name="PlaceHolder 2"/>
           <p:cNvSpPr>
             <a:spLocks noGrp="1"/>
           </p:cNvSpPr>
@@ -348,8 +351,8 @@
         </p:nvSpPr>
         <p:spPr>
           <a:xfrm>
-            <a:off x="457200" y="1600200"/>
-            <a:ext cx="8229240" cy="4525560"/>
+            <a:off x="457200" y="1604520"/>
+            <a:ext cx="8229240" cy="3977280"/>
           </a:xfrm>
           <a:prstGeom prst="rect">
             <a:avLst/>
@@ -364,7 +367,7 @@
       </p:sp>
       <p:sp>
         <p:nvSpPr>
-          <p:cNvPr id="36" name="PlaceHolder 3"/>
+          <p:cNvPr id="33" name="PlaceHolder 3"/>
           <p:cNvSpPr>
             <a:spLocks noGrp="1"/>
           </p:cNvSpPr>
@@ -374,8 +377,8 @@
         </p:nvSpPr>
         <p:spPr>
           <a:xfrm>
-            <a:off x="457200" y="1600200"/>
-            <a:ext cx="8229240" cy="4525560"/>
+            <a:off x="457200" y="1604520"/>
+            <a:ext cx="8229240" cy="3977280"/>
           </a:xfrm>
           <a:prstGeom prst="rect">
             <a:avLst/>
@@ -390,7 +393,7 @@
       </p:sp>
       <p:pic>
         <p:nvPicPr>
-          <p:cNvPr id="37" name="" descr=""/>
+          <p:cNvPr id="34" name="" descr=""/>
           <p:cNvPicPr/>
           <p:nvPr/>
         </p:nvPicPr>
@@ -400,8 +403,8 @@
         </p:blipFill>
         <p:spPr>
           <a:xfrm>
-            <a:off x="1735560" y="1599840"/>
-            <a:ext cx="5671800" cy="4525560"/>
+            <a:off x="2079000" y="1604520"/>
+            <a:ext cx="4984920" cy="3977280"/>
           </a:xfrm>
           <a:prstGeom prst="rect">
             <a:avLst/>
@@ -413,7 +416,7 @@
       </p:pic>
       <p:pic>
         <p:nvPicPr>
-          <p:cNvPr id="38" name="" descr=""/>
+          <p:cNvPr id="35" name="" descr=""/>
           <p:cNvPicPr/>
           <p:nvPr/>
         </p:nvPicPr>
@@ -423,8 +426,8 @@
         </p:blipFill>
         <p:spPr>
           <a:xfrm>
-            <a:off x="1735560" y="1599840"/>
-            <a:ext cx="5671800" cy="4525560"/>
+            <a:off x="2079000" y="1604520"/>
+            <a:ext cx="4984920" cy="3977280"/>
           </a:xfrm>
           <a:prstGeom prst="rect">
             <a:avLst/>
@@ -480,7 +483,7 @@
       </p:grpSpPr>
       <p:sp>
         <p:nvSpPr>
-          <p:cNvPr id="44" name="PlaceHolder 1"/>
+          <p:cNvPr id="38" name="PlaceHolder 1"/>
           <p:cNvSpPr>
             <a:spLocks noGrp="1"/>
           </p:cNvSpPr>
@@ -490,8 +493,8 @@
         </p:nvSpPr>
         <p:spPr>
           <a:xfrm>
-            <a:off x="457200" y="274680"/>
-            <a:ext cx="8229240" cy="1142640"/>
+            <a:off x="457200" y="273600"/>
+            <a:ext cx="8229240" cy="1144800"/>
           </a:xfrm>
           <a:prstGeom prst="rect">
             <a:avLst/>
@@ -500,13 +503,14 @@
         <p:txBody>
           <a:bodyPr lIns="0" rIns="0" tIns="0" bIns="0" anchor="ctr"/>
           <a:p>
-            <a:endParaRPr/>
-          </a:p>
-        </p:txBody>
-      </p:sp>
-      <p:sp>
-        <p:nvSpPr>
-          <p:cNvPr id="45" name="PlaceHolder 2"/>
+            <a:pPr algn="ctr"/>
+            <a:endParaRPr/>
+          </a:p>
+        </p:txBody>
+      </p:sp>
+      <p:sp>
+        <p:nvSpPr>
+          <p:cNvPr id="39" name="PlaceHolder 2"/>
           <p:cNvSpPr>
             <a:spLocks noGrp="1"/>
           </p:cNvSpPr>
@@ -516,8 +520,8 @@
         </p:nvSpPr>
         <p:spPr>
           <a:xfrm>
-            <a:off x="457200" y="1600200"/>
-            <a:ext cx="8229240" cy="4525560"/>
+            <a:off x="457200" y="1604520"/>
+            <a:ext cx="8229240" cy="3977280"/>
           </a:xfrm>
           <a:prstGeom prst="rect">
             <a:avLst/>
@@ -555,7 +559,7 @@
       </p:grpSpPr>
       <p:sp>
         <p:nvSpPr>
-          <p:cNvPr id="46" name="PlaceHolder 1"/>
+          <p:cNvPr id="40" name="PlaceHolder 1"/>
           <p:cNvSpPr>
             <a:spLocks noGrp="1"/>
           </p:cNvSpPr>
@@ -565,8 +569,8 @@
         </p:nvSpPr>
         <p:spPr>
           <a:xfrm>
-            <a:off x="457200" y="274680"/>
-            <a:ext cx="8229240" cy="1142640"/>
+            <a:off x="457200" y="273600"/>
+            <a:ext cx="8229240" cy="1144800"/>
           </a:xfrm>
           <a:prstGeom prst="rect">
             <a:avLst/>
@@ -575,13 +579,14 @@
         <p:txBody>
           <a:bodyPr lIns="0" rIns="0" tIns="0" bIns="0" anchor="ctr"/>
           <a:p>
-            <a:endParaRPr/>
-          </a:p>
-        </p:txBody>
-      </p:sp>
-      <p:sp>
-        <p:nvSpPr>
-          <p:cNvPr id="47" name="PlaceHolder 2"/>
+            <a:pPr algn="ctr"/>
+            <a:endParaRPr/>
+          </a:p>
+        </p:txBody>
+      </p:sp>
+      <p:sp>
+        <p:nvSpPr>
+          <p:cNvPr id="41" name="PlaceHolder 2"/>
           <p:cNvSpPr>
             <a:spLocks noGrp="1"/>
           </p:cNvSpPr>
@@ -591,8 +596,8 @@
         </p:nvSpPr>
         <p:spPr>
           <a:xfrm>
-            <a:off x="457200" y="1600200"/>
-            <a:ext cx="8229240" cy="4525560"/>
+            <a:off x="457200" y="1604520"/>
+            <a:ext cx="8229240" cy="3977280"/>
           </a:xfrm>
           <a:prstGeom prst="rect">
             <a:avLst/>
@@ -629,7 +634,7 @@
       </p:grpSpPr>
       <p:sp>
         <p:nvSpPr>
-          <p:cNvPr id="48" name="PlaceHolder 1"/>
+          <p:cNvPr id="42" name="PlaceHolder 1"/>
           <p:cNvSpPr>
             <a:spLocks noGrp="1"/>
           </p:cNvSpPr>
@@ -639,8 +644,8 @@
         </p:nvSpPr>
         <p:spPr>
           <a:xfrm>
-            <a:off x="457200" y="274680"/>
-            <a:ext cx="8229240" cy="1142640"/>
+            <a:off x="457200" y="273600"/>
+            <a:ext cx="8229240" cy="1144800"/>
           </a:xfrm>
           <a:prstGeom prst="rect">
             <a:avLst/>
@@ -649,13 +654,14 @@
         <p:txBody>
           <a:bodyPr lIns="0" rIns="0" tIns="0" bIns="0" anchor="ctr"/>
           <a:p>
-            <a:endParaRPr/>
-          </a:p>
-        </p:txBody>
-      </p:sp>
-      <p:sp>
-        <p:nvSpPr>
-          <p:cNvPr id="49" name="PlaceHolder 2"/>
+            <a:pPr algn="ctr"/>
+            <a:endParaRPr/>
+          </a:p>
+        </p:txBody>
+      </p:sp>
+      <p:sp>
+        <p:nvSpPr>
+          <p:cNvPr id="43" name="PlaceHolder 2"/>
           <p:cNvSpPr>
             <a:spLocks noGrp="1"/>
           </p:cNvSpPr>
@@ -665,8 +671,8 @@
         </p:nvSpPr>
         <p:spPr>
           <a:xfrm>
-            <a:off x="457200" y="1600200"/>
-            <a:ext cx="4015800" cy="4525560"/>
+            <a:off x="457200" y="1604520"/>
+            <a:ext cx="4015800" cy="3977280"/>
           </a:xfrm>
           <a:prstGeom prst="rect">
             <a:avLst/>
@@ -681,7 +687,7 @@
       </p:sp>
       <p:sp>
         <p:nvSpPr>
-          <p:cNvPr id="50" name="PlaceHolder 3"/>
+          <p:cNvPr id="44" name="PlaceHolder 3"/>
           <p:cNvSpPr>
             <a:spLocks noGrp="1"/>
           </p:cNvSpPr>
@@ -691,8 +697,8 @@
         </p:nvSpPr>
         <p:spPr>
           <a:xfrm>
-            <a:off x="4674240" y="1600200"/>
-            <a:ext cx="4015800" cy="4525560"/>
+            <a:off x="4674240" y="1604520"/>
+            <a:ext cx="4015800" cy="3977280"/>
           </a:xfrm>
           <a:prstGeom prst="rect">
             <a:avLst/>
@@ -729,7 +735,7 @@
       </p:grpSpPr>
       <p:sp>
         <p:nvSpPr>
-          <p:cNvPr id="51" name="PlaceHolder 1"/>
+          <p:cNvPr id="45" name="PlaceHolder 1"/>
           <p:cNvSpPr>
             <a:spLocks noGrp="1"/>
           </p:cNvSpPr>
@@ -739,8 +745,8 @@
         </p:nvSpPr>
         <p:spPr>
           <a:xfrm>
-            <a:off x="457200" y="274680"/>
-            <a:ext cx="8229240" cy="1142640"/>
+            <a:off x="457200" y="273600"/>
+            <a:ext cx="8229240" cy="1144800"/>
           </a:xfrm>
           <a:prstGeom prst="rect">
             <a:avLst/>
@@ -749,6 +755,7 @@
         <p:txBody>
           <a:bodyPr lIns="0" rIns="0" tIns="0" bIns="0" anchor="ctr"/>
           <a:p>
+            <a:pPr algn="ctr"/>
             <a:endParaRPr/>
           </a:p>
         </p:txBody>
@@ -777,7 +784,7 @@
       </p:grpSpPr>
       <p:sp>
         <p:nvSpPr>
-          <p:cNvPr id="52" name="PlaceHolder 1"/>
+          <p:cNvPr id="46" name="PlaceHolder 1"/>
           <p:cNvSpPr>
             <a:spLocks noGrp="1"/>
           </p:cNvSpPr>
@@ -787,8 +794,8 @@
         </p:nvSpPr>
         <p:spPr>
           <a:xfrm>
-            <a:off x="457200" y="274680"/>
-            <a:ext cx="8229240" cy="5297760"/>
+            <a:off x="457200" y="273600"/>
+            <a:ext cx="8229240" cy="5307840"/>
           </a:xfrm>
           <a:prstGeom prst="rect">
             <a:avLst/>
@@ -826,7 +833,7 @@
       </p:grpSpPr>
       <p:sp>
         <p:nvSpPr>
-          <p:cNvPr id="53" name="PlaceHolder 1"/>
+          <p:cNvPr id="47" name="PlaceHolder 1"/>
           <p:cNvSpPr>
             <a:spLocks noGrp="1"/>
           </p:cNvSpPr>
@@ -836,8 +843,8 @@
         </p:nvSpPr>
         <p:spPr>
           <a:xfrm>
-            <a:off x="457200" y="274680"/>
-            <a:ext cx="8229240" cy="1142640"/>
+            <a:off x="457200" y="273600"/>
+            <a:ext cx="8229240" cy="1144800"/>
           </a:xfrm>
           <a:prstGeom prst="rect">
             <a:avLst/>
@@ -846,13 +853,14 @@
         <p:txBody>
           <a:bodyPr lIns="0" rIns="0" tIns="0" bIns="0" anchor="ctr"/>
           <a:p>
-            <a:endParaRPr/>
-          </a:p>
-        </p:txBody>
-      </p:sp>
-      <p:sp>
-        <p:nvSpPr>
-          <p:cNvPr id="54" name="PlaceHolder 2"/>
+            <a:pPr algn="ctr"/>
+            <a:endParaRPr/>
+          </a:p>
+        </p:txBody>
+      </p:sp>
+      <p:sp>
+        <p:nvSpPr>
+          <p:cNvPr id="48" name="PlaceHolder 2"/>
           <p:cNvSpPr>
             <a:spLocks noGrp="1"/>
           </p:cNvSpPr>
@@ -862,8 +870,8 @@
         </p:nvSpPr>
         <p:spPr>
           <a:xfrm>
-            <a:off x="457200" y="1600200"/>
-            <a:ext cx="4015800" cy="2158560"/>
+            <a:off x="457200" y="1604520"/>
+            <a:ext cx="4015800" cy="1896840"/>
           </a:xfrm>
           <a:prstGeom prst="rect">
             <a:avLst/>
@@ -878,7 +886,7 @@
       </p:sp>
       <p:sp>
         <p:nvSpPr>
-          <p:cNvPr id="55" name="PlaceHolder 3"/>
+          <p:cNvPr id="49" name="PlaceHolder 3"/>
           <p:cNvSpPr>
             <a:spLocks noGrp="1"/>
           </p:cNvSpPr>
@@ -888,8 +896,8 @@
         </p:nvSpPr>
         <p:spPr>
           <a:xfrm>
-            <a:off x="457200" y="3964320"/>
-            <a:ext cx="4015800" cy="2158560"/>
+            <a:off x="457200" y="3682080"/>
+            <a:ext cx="4015800" cy="1896840"/>
           </a:xfrm>
           <a:prstGeom prst="rect">
             <a:avLst/>
@@ -904,7 +912,7 @@
       </p:sp>
       <p:sp>
         <p:nvSpPr>
-          <p:cNvPr id="56" name="PlaceHolder 4"/>
+          <p:cNvPr id="50" name="PlaceHolder 4"/>
           <p:cNvSpPr>
             <a:spLocks noGrp="1"/>
           </p:cNvSpPr>
@@ -914,8 +922,8 @@
         </p:nvSpPr>
         <p:spPr>
           <a:xfrm>
-            <a:off x="4674240" y="1600200"/>
-            <a:ext cx="4015800" cy="4525560"/>
+            <a:off x="4674240" y="1604520"/>
+            <a:ext cx="4015800" cy="3977280"/>
           </a:xfrm>
           <a:prstGeom prst="rect">
             <a:avLst/>
@@ -952,7 +960,7 @@
       </p:grpSpPr>
       <p:sp>
         <p:nvSpPr>
-          <p:cNvPr id="5" name="PlaceHolder 1"/>
+          <p:cNvPr id="2" name="PlaceHolder 1"/>
           <p:cNvSpPr>
             <a:spLocks noGrp="1"/>
           </p:cNvSpPr>
@@ -962,8 +970,8 @@
         </p:nvSpPr>
         <p:spPr>
           <a:xfrm>
-            <a:off x="457200" y="274680"/>
-            <a:ext cx="8229240" cy="1142640"/>
+            <a:off x="457200" y="273600"/>
+            <a:ext cx="8229240" cy="1144800"/>
           </a:xfrm>
           <a:prstGeom prst="rect">
             <a:avLst/>
@@ -972,13 +980,14 @@
         <p:txBody>
           <a:bodyPr lIns="0" rIns="0" tIns="0" bIns="0" anchor="ctr"/>
           <a:p>
-            <a:endParaRPr/>
-          </a:p>
-        </p:txBody>
-      </p:sp>
-      <p:sp>
-        <p:nvSpPr>
-          <p:cNvPr id="6" name="PlaceHolder 2"/>
+            <a:pPr algn="ctr"/>
+            <a:endParaRPr/>
+          </a:p>
+        </p:txBody>
+      </p:sp>
+      <p:sp>
+        <p:nvSpPr>
+          <p:cNvPr id="3" name="PlaceHolder 2"/>
           <p:cNvSpPr>
             <a:spLocks noGrp="1"/>
           </p:cNvSpPr>
@@ -988,8 +997,8 @@
         </p:nvSpPr>
         <p:spPr>
           <a:xfrm>
-            <a:off x="457200" y="1600200"/>
-            <a:ext cx="8229240" cy="4525560"/>
+            <a:off x="457200" y="1604520"/>
+            <a:ext cx="8229240" cy="3977280"/>
           </a:xfrm>
           <a:prstGeom prst="rect">
             <a:avLst/>
@@ -1027,7 +1036,7 @@
       </p:grpSpPr>
       <p:sp>
         <p:nvSpPr>
-          <p:cNvPr id="57" name="PlaceHolder 1"/>
+          <p:cNvPr id="51" name="PlaceHolder 1"/>
           <p:cNvSpPr>
             <a:spLocks noGrp="1"/>
           </p:cNvSpPr>
@@ -1037,8 +1046,8 @@
         </p:nvSpPr>
         <p:spPr>
           <a:xfrm>
-            <a:off x="457200" y="274680"/>
-            <a:ext cx="8229240" cy="1142640"/>
+            <a:off x="457200" y="273600"/>
+            <a:ext cx="8229240" cy="1144800"/>
           </a:xfrm>
           <a:prstGeom prst="rect">
             <a:avLst/>
@@ -1047,13 +1056,14 @@
         <p:txBody>
           <a:bodyPr lIns="0" rIns="0" tIns="0" bIns="0" anchor="ctr"/>
           <a:p>
-            <a:endParaRPr/>
-          </a:p>
-        </p:txBody>
-      </p:sp>
-      <p:sp>
-        <p:nvSpPr>
-          <p:cNvPr id="58" name="PlaceHolder 2"/>
+            <a:pPr algn="ctr"/>
+            <a:endParaRPr/>
+          </a:p>
+        </p:txBody>
+      </p:sp>
+      <p:sp>
+        <p:nvSpPr>
+          <p:cNvPr id="52" name="PlaceHolder 2"/>
           <p:cNvSpPr>
             <a:spLocks noGrp="1"/>
           </p:cNvSpPr>
@@ -1063,8 +1073,8 @@
         </p:nvSpPr>
         <p:spPr>
           <a:xfrm>
-            <a:off x="457200" y="1600200"/>
-            <a:ext cx="4015800" cy="4525560"/>
+            <a:off x="457200" y="1604520"/>
+            <a:ext cx="4015800" cy="3977280"/>
           </a:xfrm>
           <a:prstGeom prst="rect">
             <a:avLst/>
@@ -1079,7 +1089,7 @@
       </p:sp>
       <p:sp>
         <p:nvSpPr>
-          <p:cNvPr id="59" name="PlaceHolder 3"/>
+          <p:cNvPr id="53" name="PlaceHolder 3"/>
           <p:cNvSpPr>
             <a:spLocks noGrp="1"/>
           </p:cNvSpPr>
@@ -1089,8 +1099,8 @@
         </p:nvSpPr>
         <p:spPr>
           <a:xfrm>
-            <a:off x="4674240" y="1600200"/>
-            <a:ext cx="4015800" cy="2158560"/>
+            <a:off x="4674240" y="1604520"/>
+            <a:ext cx="4015800" cy="1896840"/>
           </a:xfrm>
           <a:prstGeom prst="rect">
             <a:avLst/>
@@ -1105,7 +1115,7 @@
       </p:sp>
       <p:sp>
         <p:nvSpPr>
-          <p:cNvPr id="60" name="PlaceHolder 4"/>
+          <p:cNvPr id="54" name="PlaceHolder 4"/>
           <p:cNvSpPr>
             <a:spLocks noGrp="1"/>
           </p:cNvSpPr>
@@ -1115,8 +1125,8 @@
         </p:nvSpPr>
         <p:spPr>
           <a:xfrm>
-            <a:off x="4674240" y="3964320"/>
-            <a:ext cx="4015800" cy="2158560"/>
+            <a:off x="4674240" y="3682080"/>
+            <a:ext cx="4015800" cy="1896840"/>
           </a:xfrm>
           <a:prstGeom prst="rect">
             <a:avLst/>
@@ -1153,7 +1163,7 @@
       </p:grpSpPr>
       <p:sp>
         <p:nvSpPr>
-          <p:cNvPr id="61" name="PlaceHolder 1"/>
+          <p:cNvPr id="55" name="PlaceHolder 1"/>
           <p:cNvSpPr>
             <a:spLocks noGrp="1"/>
           </p:cNvSpPr>
@@ -1163,8 +1173,8 @@
         </p:nvSpPr>
         <p:spPr>
           <a:xfrm>
-            <a:off x="457200" y="274680"/>
-            <a:ext cx="8229240" cy="1142640"/>
+            <a:off x="457200" y="273600"/>
+            <a:ext cx="8229240" cy="1144800"/>
           </a:xfrm>
           <a:prstGeom prst="rect">
             <a:avLst/>
@@ -1173,13 +1183,14 @@
         <p:txBody>
           <a:bodyPr lIns="0" rIns="0" tIns="0" bIns="0" anchor="ctr"/>
           <a:p>
-            <a:endParaRPr/>
-          </a:p>
-        </p:txBody>
-      </p:sp>
-      <p:sp>
-        <p:nvSpPr>
-          <p:cNvPr id="62" name="PlaceHolder 2"/>
+            <a:pPr algn="ctr"/>
+            <a:endParaRPr/>
+          </a:p>
+        </p:txBody>
+      </p:sp>
+      <p:sp>
+        <p:nvSpPr>
+          <p:cNvPr id="56" name="PlaceHolder 2"/>
           <p:cNvSpPr>
             <a:spLocks noGrp="1"/>
           </p:cNvSpPr>
@@ -1189,8 +1200,8 @@
         </p:nvSpPr>
         <p:spPr>
           <a:xfrm>
-            <a:off x="457200" y="1600200"/>
-            <a:ext cx="4015800" cy="2158560"/>
+            <a:off x="457200" y="1604520"/>
+            <a:ext cx="4015800" cy="1896840"/>
           </a:xfrm>
           <a:prstGeom prst="rect">
             <a:avLst/>
@@ -1205,7 +1216,7 @@
       </p:sp>
       <p:sp>
         <p:nvSpPr>
-          <p:cNvPr id="63" name="PlaceHolder 3"/>
+          <p:cNvPr id="57" name="PlaceHolder 3"/>
           <p:cNvSpPr>
             <a:spLocks noGrp="1"/>
           </p:cNvSpPr>
@@ -1215,8 +1226,8 @@
         </p:nvSpPr>
         <p:spPr>
           <a:xfrm>
-            <a:off x="4674240" y="1600200"/>
-            <a:ext cx="4015800" cy="2158560"/>
+            <a:off x="4674240" y="1604520"/>
+            <a:ext cx="4015800" cy="1896840"/>
           </a:xfrm>
           <a:prstGeom prst="rect">
             <a:avLst/>
@@ -1231,7 +1242,7 @@
       </p:sp>
       <p:sp>
         <p:nvSpPr>
-          <p:cNvPr id="64" name="PlaceHolder 4"/>
+          <p:cNvPr id="58" name="PlaceHolder 4"/>
           <p:cNvSpPr>
             <a:spLocks noGrp="1"/>
           </p:cNvSpPr>
@@ -1241,8 +1252,8 @@
         </p:nvSpPr>
         <p:spPr>
           <a:xfrm>
-            <a:off x="457200" y="3964320"/>
-            <a:ext cx="8229240" cy="2158560"/>
+            <a:off x="457200" y="3682080"/>
+            <a:ext cx="8229240" cy="1896840"/>
           </a:xfrm>
           <a:prstGeom prst="rect">
             <a:avLst/>
@@ -1279,7 +1290,7 @@
       </p:grpSpPr>
       <p:sp>
         <p:nvSpPr>
-          <p:cNvPr id="65" name="PlaceHolder 1"/>
+          <p:cNvPr id="59" name="PlaceHolder 1"/>
           <p:cNvSpPr>
             <a:spLocks noGrp="1"/>
           </p:cNvSpPr>
@@ -1289,8 +1300,8 @@
         </p:nvSpPr>
         <p:spPr>
           <a:xfrm>
-            <a:off x="457200" y="274680"/>
-            <a:ext cx="8229240" cy="1142640"/>
+            <a:off x="457200" y="273600"/>
+            <a:ext cx="8229240" cy="1144800"/>
           </a:xfrm>
           <a:prstGeom prst="rect">
             <a:avLst/>
@@ -1299,13 +1310,14 @@
         <p:txBody>
           <a:bodyPr lIns="0" rIns="0" tIns="0" bIns="0" anchor="ctr"/>
           <a:p>
-            <a:endParaRPr/>
-          </a:p>
-        </p:txBody>
-      </p:sp>
-      <p:sp>
-        <p:nvSpPr>
-          <p:cNvPr id="66" name="PlaceHolder 2"/>
+            <a:pPr algn="ctr"/>
+            <a:endParaRPr/>
+          </a:p>
+        </p:txBody>
+      </p:sp>
+      <p:sp>
+        <p:nvSpPr>
+          <p:cNvPr id="60" name="PlaceHolder 2"/>
           <p:cNvSpPr>
             <a:spLocks noGrp="1"/>
           </p:cNvSpPr>
@@ -1315,8 +1327,8 @@
         </p:nvSpPr>
         <p:spPr>
           <a:xfrm>
-            <a:off x="457200" y="1600200"/>
-            <a:ext cx="8229240" cy="2158560"/>
+            <a:off x="457200" y="1604520"/>
+            <a:ext cx="8229240" cy="1896840"/>
           </a:xfrm>
           <a:prstGeom prst="rect">
             <a:avLst/>
@@ -1331,7 +1343,7 @@
       </p:sp>
       <p:sp>
         <p:nvSpPr>
-          <p:cNvPr id="67" name="PlaceHolder 3"/>
+          <p:cNvPr id="61" name="PlaceHolder 3"/>
           <p:cNvSpPr>
             <a:spLocks noGrp="1"/>
           </p:cNvSpPr>
@@ -1341,8 +1353,8 @@
         </p:nvSpPr>
         <p:spPr>
           <a:xfrm>
-            <a:off x="457200" y="3964320"/>
-            <a:ext cx="8229240" cy="2158560"/>
+            <a:off x="457200" y="3682080"/>
+            <a:ext cx="8229240" cy="1896840"/>
           </a:xfrm>
           <a:prstGeom prst="rect">
             <a:avLst/>
@@ -1379,7 +1391,7 @@
       </p:grpSpPr>
       <p:sp>
         <p:nvSpPr>
-          <p:cNvPr id="68" name="PlaceHolder 1"/>
+          <p:cNvPr id="62" name="PlaceHolder 1"/>
           <p:cNvSpPr>
             <a:spLocks noGrp="1"/>
           </p:cNvSpPr>
@@ -1389,8 +1401,8 @@
         </p:nvSpPr>
         <p:spPr>
           <a:xfrm>
-            <a:off x="457200" y="274680"/>
-            <a:ext cx="8229240" cy="1142640"/>
+            <a:off x="457200" y="273600"/>
+            <a:ext cx="8229240" cy="1144800"/>
           </a:xfrm>
           <a:prstGeom prst="rect">
             <a:avLst/>
@@ -1399,13 +1411,14 @@
         <p:txBody>
           <a:bodyPr lIns="0" rIns="0" tIns="0" bIns="0" anchor="ctr"/>
           <a:p>
-            <a:endParaRPr/>
-          </a:p>
-        </p:txBody>
-      </p:sp>
-      <p:sp>
-        <p:nvSpPr>
-          <p:cNvPr id="69" name="PlaceHolder 2"/>
+            <a:pPr algn="ctr"/>
+            <a:endParaRPr/>
+          </a:p>
+        </p:txBody>
+      </p:sp>
+      <p:sp>
+        <p:nvSpPr>
+          <p:cNvPr id="63" name="PlaceHolder 2"/>
           <p:cNvSpPr>
             <a:spLocks noGrp="1"/>
           </p:cNvSpPr>
@@ -1415,8 +1428,8 @@
         </p:nvSpPr>
         <p:spPr>
           <a:xfrm>
-            <a:off x="457200" y="1600200"/>
-            <a:ext cx="4015800" cy="2158560"/>
+            <a:off x="457200" y="1604520"/>
+            <a:ext cx="4015800" cy="1896840"/>
           </a:xfrm>
           <a:prstGeom prst="rect">
             <a:avLst/>
@@ -1431,7 +1444,7 @@
       </p:sp>
       <p:sp>
         <p:nvSpPr>
-          <p:cNvPr id="70" name="PlaceHolder 3"/>
+          <p:cNvPr id="64" name="PlaceHolder 3"/>
           <p:cNvSpPr>
             <a:spLocks noGrp="1"/>
           </p:cNvSpPr>
@@ -1441,8 +1454,8 @@
         </p:nvSpPr>
         <p:spPr>
           <a:xfrm>
-            <a:off x="4674240" y="1600200"/>
-            <a:ext cx="4015800" cy="2158560"/>
+            <a:off x="4674240" y="1604520"/>
+            <a:ext cx="4015800" cy="1896840"/>
           </a:xfrm>
           <a:prstGeom prst="rect">
             <a:avLst/>
@@ -1457,7 +1470,7 @@
       </p:sp>
       <p:sp>
         <p:nvSpPr>
-          <p:cNvPr id="71" name="PlaceHolder 4"/>
+          <p:cNvPr id="65" name="PlaceHolder 4"/>
           <p:cNvSpPr>
             <a:spLocks noGrp="1"/>
           </p:cNvSpPr>
@@ -1467,8 +1480,8 @@
         </p:nvSpPr>
         <p:spPr>
           <a:xfrm>
-            <a:off x="4674240" y="3964320"/>
-            <a:ext cx="4015800" cy="2158560"/>
+            <a:off x="4674240" y="3682080"/>
+            <a:ext cx="4015800" cy="1896840"/>
           </a:xfrm>
           <a:prstGeom prst="rect">
             <a:avLst/>
@@ -1483,7 +1496,7 @@
       </p:sp>
       <p:sp>
         <p:nvSpPr>
-          <p:cNvPr id="72" name="PlaceHolder 5"/>
+          <p:cNvPr id="66" name="PlaceHolder 5"/>
           <p:cNvSpPr>
             <a:spLocks noGrp="1"/>
           </p:cNvSpPr>
@@ -1493,8 +1506,8 @@
         </p:nvSpPr>
         <p:spPr>
           <a:xfrm>
-            <a:off x="457200" y="3964320"/>
-            <a:ext cx="4015800" cy="2158560"/>
+            <a:off x="457200" y="3682080"/>
+            <a:ext cx="4015800" cy="1896840"/>
           </a:xfrm>
           <a:prstGeom prst="rect">
             <a:avLst/>
@@ -1531,7 +1544,7 @@
       </p:grpSpPr>
       <p:sp>
         <p:nvSpPr>
-          <p:cNvPr id="73" name="PlaceHolder 1"/>
+          <p:cNvPr id="67" name="PlaceHolder 1"/>
           <p:cNvSpPr>
             <a:spLocks noGrp="1"/>
           </p:cNvSpPr>
@@ -1541,8 +1554,8 @@
         </p:nvSpPr>
         <p:spPr>
           <a:xfrm>
-            <a:off x="457200" y="274680"/>
-            <a:ext cx="8229240" cy="1142640"/>
+            <a:off x="457200" y="273600"/>
+            <a:ext cx="8229240" cy="1144800"/>
           </a:xfrm>
           <a:prstGeom prst="rect">
             <a:avLst/>
@@ -1551,13 +1564,14 @@
         <p:txBody>
           <a:bodyPr lIns="0" rIns="0" tIns="0" bIns="0" anchor="ctr"/>
           <a:p>
-            <a:endParaRPr/>
-          </a:p>
-        </p:txBody>
-      </p:sp>
-      <p:sp>
-        <p:nvSpPr>
-          <p:cNvPr id="74" name="PlaceHolder 2"/>
+            <a:pPr algn="ctr"/>
+            <a:endParaRPr/>
+          </a:p>
+        </p:txBody>
+      </p:sp>
+      <p:sp>
+        <p:nvSpPr>
+          <p:cNvPr id="68" name="PlaceHolder 2"/>
           <p:cNvSpPr>
             <a:spLocks noGrp="1"/>
           </p:cNvSpPr>
@@ -1567,8 +1581,8 @@
         </p:nvSpPr>
         <p:spPr>
           <a:xfrm>
-            <a:off x="457200" y="1600200"/>
-            <a:ext cx="8229240" cy="4525560"/>
+            <a:off x="457200" y="1604520"/>
+            <a:ext cx="8229240" cy="3977280"/>
           </a:xfrm>
           <a:prstGeom prst="rect">
             <a:avLst/>
@@ -1583,7 +1597,7 @@
       </p:sp>
       <p:sp>
         <p:nvSpPr>
-          <p:cNvPr id="75" name="PlaceHolder 3"/>
+          <p:cNvPr id="69" name="PlaceHolder 3"/>
           <p:cNvSpPr>
             <a:spLocks noGrp="1"/>
           </p:cNvSpPr>
@@ -1593,8 +1607,8 @@
         </p:nvSpPr>
         <p:spPr>
           <a:xfrm>
-            <a:off x="457200" y="1600200"/>
-            <a:ext cx="8229240" cy="4525560"/>
+            <a:off x="457200" y="1604520"/>
+            <a:ext cx="8229240" cy="3977280"/>
           </a:xfrm>
           <a:prstGeom prst="rect">
             <a:avLst/>
@@ -1609,7 +1623,7 @@
       </p:sp>
       <p:pic>
         <p:nvPicPr>
-          <p:cNvPr id="76" name="" descr=""/>
+          <p:cNvPr id="70" name="" descr=""/>
           <p:cNvPicPr/>
           <p:nvPr/>
         </p:nvPicPr>
@@ -1619,8 +1633,8 @@
         </p:blipFill>
         <p:spPr>
           <a:xfrm>
-            <a:off x="1735560" y="1599840"/>
-            <a:ext cx="5671800" cy="4525560"/>
+            <a:off x="2079000" y="1604520"/>
+            <a:ext cx="4984920" cy="3977280"/>
           </a:xfrm>
           <a:prstGeom prst="rect">
             <a:avLst/>
@@ -1632,7 +1646,7 @@
       </p:pic>
       <p:pic>
         <p:nvPicPr>
-          <p:cNvPr id="77" name="" descr=""/>
+          <p:cNvPr id="71" name="" descr=""/>
           <p:cNvPicPr/>
           <p:nvPr/>
         </p:nvPicPr>
@@ -1642,8 +1656,8 @@
         </p:blipFill>
         <p:spPr>
           <a:xfrm>
-            <a:off x="1735560" y="1599840"/>
-            <a:ext cx="5671800" cy="4525560"/>
+            <a:off x="2079000" y="1604520"/>
+            <a:ext cx="4984920" cy="3977280"/>
           </a:xfrm>
           <a:prstGeom prst="rect">
             <a:avLst/>
@@ -1677,7 +1691,7 @@
       </p:grpSpPr>
       <p:sp>
         <p:nvSpPr>
-          <p:cNvPr id="7" name="PlaceHolder 1"/>
+          <p:cNvPr id="4" name="PlaceHolder 1"/>
           <p:cNvSpPr>
             <a:spLocks noGrp="1"/>
           </p:cNvSpPr>
@@ -1687,8 +1701,8 @@
         </p:nvSpPr>
         <p:spPr>
           <a:xfrm>
-            <a:off x="457200" y="274680"/>
-            <a:ext cx="8229240" cy="1142640"/>
+            <a:off x="457200" y="273600"/>
+            <a:ext cx="8229240" cy="1144800"/>
           </a:xfrm>
           <a:prstGeom prst="rect">
             <a:avLst/>
@@ -1697,13 +1711,14 @@
         <p:txBody>
           <a:bodyPr lIns="0" rIns="0" tIns="0" bIns="0" anchor="ctr"/>
           <a:p>
-            <a:endParaRPr/>
-          </a:p>
-        </p:txBody>
-      </p:sp>
-      <p:sp>
-        <p:nvSpPr>
-          <p:cNvPr id="8" name="PlaceHolder 2"/>
+            <a:pPr algn="ctr"/>
+            <a:endParaRPr/>
+          </a:p>
+        </p:txBody>
+      </p:sp>
+      <p:sp>
+        <p:nvSpPr>
+          <p:cNvPr id="5" name="PlaceHolder 2"/>
           <p:cNvSpPr>
             <a:spLocks noGrp="1"/>
           </p:cNvSpPr>
@@ -1713,8 +1728,8 @@
         </p:nvSpPr>
         <p:spPr>
           <a:xfrm>
-            <a:off x="457200" y="1600200"/>
-            <a:ext cx="8229240" cy="4525560"/>
+            <a:off x="457200" y="1604520"/>
+            <a:ext cx="8229240" cy="3977280"/>
           </a:xfrm>
           <a:prstGeom prst="rect">
             <a:avLst/>
@@ -1751,7 +1766,7 @@
       </p:grpSpPr>
       <p:sp>
         <p:nvSpPr>
-          <p:cNvPr id="9" name="PlaceHolder 1"/>
+          <p:cNvPr id="6" name="PlaceHolder 1"/>
           <p:cNvSpPr>
             <a:spLocks noGrp="1"/>
           </p:cNvSpPr>
@@ -1761,8 +1776,8 @@
         </p:nvSpPr>
         <p:spPr>
           <a:xfrm>
-            <a:off x="457200" y="274680"/>
-            <a:ext cx="8229240" cy="1142640"/>
+            <a:off x="457200" y="273600"/>
+            <a:ext cx="8229240" cy="1144800"/>
           </a:xfrm>
           <a:prstGeom prst="rect">
             <a:avLst/>
@@ -1771,13 +1786,14 @@
         <p:txBody>
           <a:bodyPr lIns="0" rIns="0" tIns="0" bIns="0" anchor="ctr"/>
           <a:p>
-            <a:endParaRPr/>
-          </a:p>
-        </p:txBody>
-      </p:sp>
-      <p:sp>
-        <p:nvSpPr>
-          <p:cNvPr id="10" name="PlaceHolder 2"/>
+            <a:pPr algn="ctr"/>
+            <a:endParaRPr/>
+          </a:p>
+        </p:txBody>
+      </p:sp>
+      <p:sp>
+        <p:nvSpPr>
+          <p:cNvPr id="7" name="PlaceHolder 2"/>
           <p:cNvSpPr>
             <a:spLocks noGrp="1"/>
           </p:cNvSpPr>
@@ -1787,8 +1803,8 @@
         </p:nvSpPr>
         <p:spPr>
           <a:xfrm>
-            <a:off x="457200" y="1600200"/>
-            <a:ext cx="4015800" cy="4525560"/>
+            <a:off x="457200" y="1604520"/>
+            <a:ext cx="4015800" cy="3977280"/>
           </a:xfrm>
           <a:prstGeom prst="rect">
             <a:avLst/>
@@ -1803,7 +1819,7 @@
       </p:sp>
       <p:sp>
         <p:nvSpPr>
-          <p:cNvPr id="11" name="PlaceHolder 3"/>
+          <p:cNvPr id="8" name="PlaceHolder 3"/>
           <p:cNvSpPr>
             <a:spLocks noGrp="1"/>
           </p:cNvSpPr>
@@ -1813,8 +1829,8 @@
         </p:nvSpPr>
         <p:spPr>
           <a:xfrm>
-            <a:off x="4674240" y="1600200"/>
-            <a:ext cx="4015800" cy="4525560"/>
+            <a:off x="4674240" y="1604520"/>
+            <a:ext cx="4015800" cy="3977280"/>
           </a:xfrm>
           <a:prstGeom prst="rect">
             <a:avLst/>
@@ -1851,7 +1867,7 @@
       </p:grpSpPr>
       <p:sp>
         <p:nvSpPr>
-          <p:cNvPr id="12" name="PlaceHolder 1"/>
+          <p:cNvPr id="9" name="PlaceHolder 1"/>
           <p:cNvSpPr>
             <a:spLocks noGrp="1"/>
           </p:cNvSpPr>
@@ -1861,8 +1877,8 @@
         </p:nvSpPr>
         <p:spPr>
           <a:xfrm>
-            <a:off x="457200" y="274680"/>
-            <a:ext cx="8229240" cy="1142640"/>
+            <a:off x="457200" y="273600"/>
+            <a:ext cx="8229240" cy="1144800"/>
           </a:xfrm>
           <a:prstGeom prst="rect">
             <a:avLst/>
@@ -1871,6 +1887,7 @@
         <p:txBody>
           <a:bodyPr lIns="0" rIns="0" tIns="0" bIns="0" anchor="ctr"/>
           <a:p>
+            <a:pPr algn="ctr"/>
             <a:endParaRPr/>
           </a:p>
         </p:txBody>
@@ -1899,7 +1916,7 @@
       </p:grpSpPr>
       <p:sp>
         <p:nvSpPr>
-          <p:cNvPr id="13" name="PlaceHolder 1"/>
+          <p:cNvPr id="10" name="PlaceHolder 1"/>
           <p:cNvSpPr>
             <a:spLocks noGrp="1"/>
           </p:cNvSpPr>
@@ -1909,8 +1926,8 @@
         </p:nvSpPr>
         <p:spPr>
           <a:xfrm>
-            <a:off x="457200" y="274680"/>
-            <a:ext cx="8229240" cy="5297760"/>
+            <a:off x="457200" y="273600"/>
+            <a:ext cx="8229240" cy="5307840"/>
           </a:xfrm>
           <a:prstGeom prst="rect">
             <a:avLst/>
@@ -1948,7 +1965,7 @@
       </p:grpSpPr>
       <p:sp>
         <p:nvSpPr>
-          <p:cNvPr id="14" name="PlaceHolder 1"/>
+          <p:cNvPr id="11" name="PlaceHolder 1"/>
           <p:cNvSpPr>
             <a:spLocks noGrp="1"/>
           </p:cNvSpPr>
@@ -1958,8 +1975,8 @@
         </p:nvSpPr>
         <p:spPr>
           <a:xfrm>
-            <a:off x="457200" y="274680"/>
-            <a:ext cx="8229240" cy="1142640"/>
+            <a:off x="457200" y="273600"/>
+            <a:ext cx="8229240" cy="1144800"/>
           </a:xfrm>
           <a:prstGeom prst="rect">
             <a:avLst/>
@@ -1968,13 +1985,14 @@
         <p:txBody>
           <a:bodyPr lIns="0" rIns="0" tIns="0" bIns="0" anchor="ctr"/>
           <a:p>
-            <a:endParaRPr/>
-          </a:p>
-        </p:txBody>
-      </p:sp>
-      <p:sp>
-        <p:nvSpPr>
-          <p:cNvPr id="15" name="PlaceHolder 2"/>
+            <a:pPr algn="ctr"/>
+            <a:endParaRPr/>
+          </a:p>
+        </p:txBody>
+      </p:sp>
+      <p:sp>
+        <p:nvSpPr>
+          <p:cNvPr id="12" name="PlaceHolder 2"/>
           <p:cNvSpPr>
             <a:spLocks noGrp="1"/>
           </p:cNvSpPr>
@@ -1984,8 +2002,8 @@
         </p:nvSpPr>
         <p:spPr>
           <a:xfrm>
-            <a:off x="457200" y="1600200"/>
-            <a:ext cx="4015800" cy="2158560"/>
+            <a:off x="457200" y="1604520"/>
+            <a:ext cx="4015800" cy="1896840"/>
           </a:xfrm>
           <a:prstGeom prst="rect">
             <a:avLst/>
@@ -2000,7 +2018,7 @@
       </p:sp>
       <p:sp>
         <p:nvSpPr>
-          <p:cNvPr id="16" name="PlaceHolder 3"/>
+          <p:cNvPr id="13" name="PlaceHolder 3"/>
           <p:cNvSpPr>
             <a:spLocks noGrp="1"/>
           </p:cNvSpPr>
@@ -2010,8 +2028,8 @@
         </p:nvSpPr>
         <p:spPr>
           <a:xfrm>
-            <a:off x="457200" y="3964320"/>
-            <a:ext cx="4015800" cy="2158560"/>
+            <a:off x="457200" y="3682080"/>
+            <a:ext cx="4015800" cy="1896840"/>
           </a:xfrm>
           <a:prstGeom prst="rect">
             <a:avLst/>
@@ -2026,7 +2044,7 @@
       </p:sp>
       <p:sp>
         <p:nvSpPr>
-          <p:cNvPr id="17" name="PlaceHolder 4"/>
+          <p:cNvPr id="14" name="PlaceHolder 4"/>
           <p:cNvSpPr>
             <a:spLocks noGrp="1"/>
           </p:cNvSpPr>
@@ -2036,8 +2054,8 @@
         </p:nvSpPr>
         <p:spPr>
           <a:xfrm>
-            <a:off x="4674240" y="1600200"/>
-            <a:ext cx="4015800" cy="4525560"/>
+            <a:off x="4674240" y="1604520"/>
+            <a:ext cx="4015800" cy="3977280"/>
           </a:xfrm>
           <a:prstGeom prst="rect">
             <a:avLst/>
@@ -2074,7 +2092,7 @@
       </p:grpSpPr>
       <p:sp>
         <p:nvSpPr>
-          <p:cNvPr id="18" name="PlaceHolder 1"/>
+          <p:cNvPr id="15" name="PlaceHolder 1"/>
           <p:cNvSpPr>
             <a:spLocks noGrp="1"/>
           </p:cNvSpPr>
@@ -2084,8 +2102,8 @@
         </p:nvSpPr>
         <p:spPr>
           <a:xfrm>
-            <a:off x="457200" y="274680"/>
-            <a:ext cx="8229240" cy="1142640"/>
+            <a:off x="457200" y="273600"/>
+            <a:ext cx="8229240" cy="1144800"/>
           </a:xfrm>
           <a:prstGeom prst="rect">
             <a:avLst/>
@@ -2094,13 +2112,14 @@
         <p:txBody>
           <a:bodyPr lIns="0" rIns="0" tIns="0" bIns="0" anchor="ctr"/>
           <a:p>
-            <a:endParaRPr/>
-          </a:p>
-        </p:txBody>
-      </p:sp>
-      <p:sp>
-        <p:nvSpPr>
-          <p:cNvPr id="19" name="PlaceHolder 2"/>
+            <a:pPr algn="ctr"/>
+            <a:endParaRPr/>
+          </a:p>
+        </p:txBody>
+      </p:sp>
+      <p:sp>
+        <p:nvSpPr>
+          <p:cNvPr id="16" name="PlaceHolder 2"/>
           <p:cNvSpPr>
             <a:spLocks noGrp="1"/>
           </p:cNvSpPr>
@@ -2110,8 +2129,8 @@
         </p:nvSpPr>
         <p:spPr>
           <a:xfrm>
-            <a:off x="457200" y="1600200"/>
-            <a:ext cx="4015800" cy="4525560"/>
+            <a:off x="457200" y="1604520"/>
+            <a:ext cx="4015800" cy="3977280"/>
           </a:xfrm>
           <a:prstGeom prst="rect">
             <a:avLst/>
@@ -2126,7 +2145,7 @@
       </p:sp>
       <p:sp>
         <p:nvSpPr>
-          <p:cNvPr id="20" name="PlaceHolder 3"/>
+          <p:cNvPr id="17" name="PlaceHolder 3"/>
           <p:cNvSpPr>
             <a:spLocks noGrp="1"/>
           </p:cNvSpPr>
@@ -2136,8 +2155,8 @@
         </p:nvSpPr>
         <p:spPr>
           <a:xfrm>
-            <a:off x="4674240" y="1600200"/>
-            <a:ext cx="4015800" cy="2158560"/>
+            <a:off x="4674240" y="1604520"/>
+            <a:ext cx="4015800" cy="1896840"/>
           </a:xfrm>
           <a:prstGeom prst="rect">
             <a:avLst/>
@@ -2152,7 +2171,7 @@
       </p:sp>
       <p:sp>
         <p:nvSpPr>
-          <p:cNvPr id="21" name="PlaceHolder 4"/>
+          <p:cNvPr id="18" name="PlaceHolder 4"/>
           <p:cNvSpPr>
             <a:spLocks noGrp="1"/>
           </p:cNvSpPr>
@@ -2162,8 +2181,8 @@
         </p:nvSpPr>
         <p:spPr>
           <a:xfrm>
-            <a:off x="4674240" y="3964320"/>
-            <a:ext cx="4015800" cy="2158560"/>
+            <a:off x="4674240" y="3682080"/>
+            <a:ext cx="4015800" cy="1896840"/>
           </a:xfrm>
           <a:prstGeom prst="rect">
             <a:avLst/>
@@ -2200,7 +2219,7 @@
       </p:grpSpPr>
       <p:sp>
         <p:nvSpPr>
-          <p:cNvPr id="22" name="PlaceHolder 1"/>
+          <p:cNvPr id="19" name="PlaceHolder 1"/>
           <p:cNvSpPr>
             <a:spLocks noGrp="1"/>
           </p:cNvSpPr>
@@ -2210,8 +2229,8 @@
         </p:nvSpPr>
         <p:spPr>
           <a:xfrm>
-            <a:off x="457200" y="274680"/>
-            <a:ext cx="8229240" cy="1142640"/>
+            <a:off x="457200" y="273600"/>
+            <a:ext cx="8229240" cy="1144800"/>
           </a:xfrm>
           <a:prstGeom prst="rect">
             <a:avLst/>
@@ -2220,13 +2239,14 @@
         <p:txBody>
           <a:bodyPr lIns="0" rIns="0" tIns="0" bIns="0" anchor="ctr"/>
           <a:p>
-            <a:endParaRPr/>
-          </a:p>
-        </p:txBody>
-      </p:sp>
-      <p:sp>
-        <p:nvSpPr>
-          <p:cNvPr id="23" name="PlaceHolder 2"/>
+            <a:pPr algn="ctr"/>
+            <a:endParaRPr/>
+          </a:p>
+        </p:txBody>
+      </p:sp>
+      <p:sp>
+        <p:nvSpPr>
+          <p:cNvPr id="20" name="PlaceHolder 2"/>
           <p:cNvSpPr>
             <a:spLocks noGrp="1"/>
           </p:cNvSpPr>
@@ -2236,8 +2256,8 @@
         </p:nvSpPr>
         <p:spPr>
           <a:xfrm>
-            <a:off x="457200" y="1600200"/>
-            <a:ext cx="4015800" cy="2158560"/>
+            <a:off x="457200" y="1604520"/>
+            <a:ext cx="4015800" cy="1896840"/>
           </a:xfrm>
           <a:prstGeom prst="rect">
             <a:avLst/>
@@ -2252,7 +2272,7 @@
       </p:sp>
       <p:sp>
         <p:nvSpPr>
-          <p:cNvPr id="24" name="PlaceHolder 3"/>
+          <p:cNvPr id="21" name="PlaceHolder 3"/>
           <p:cNvSpPr>
             <a:spLocks noGrp="1"/>
           </p:cNvSpPr>
@@ -2262,8 +2282,8 @@
         </p:nvSpPr>
         <p:spPr>
           <a:xfrm>
-            <a:off x="4674240" y="1600200"/>
-            <a:ext cx="4015800" cy="2158560"/>
+            <a:off x="4674240" y="1604520"/>
+            <a:ext cx="4015800" cy="1896840"/>
           </a:xfrm>
           <a:prstGeom prst="rect">
             <a:avLst/>
@@ -2278,7 +2298,7 @@
       </p:sp>
       <p:sp>
         <p:nvSpPr>
-          <p:cNvPr id="25" name="PlaceHolder 4"/>
+          <p:cNvPr id="22" name="PlaceHolder 4"/>
           <p:cNvSpPr>
             <a:spLocks noGrp="1"/>
           </p:cNvSpPr>
@@ -2288,8 +2308,8 @@
         </p:nvSpPr>
         <p:spPr>
           <a:xfrm>
-            <a:off x="457200" y="3964320"/>
-            <a:ext cx="8229240" cy="2158560"/>
+            <a:off x="457200" y="3682080"/>
+            <a:ext cx="8229240" cy="1896840"/>
           </a:xfrm>
           <a:prstGeom prst="rect">
             <a:avLst/>
@@ -2346,29 +2366,21 @@
         </p:nvSpPr>
         <p:spPr>
           <a:xfrm>
-            <a:off x="685800" y="2130480"/>
-            <a:ext cx="7772040" cy="1469520"/>
-          </a:xfrm>
-          <a:prstGeom prst="rect">
-            <a:avLst/>
-          </a:prstGeom>
-        </p:spPr>
-        <p:txBody>
-          <a:bodyPr anchor="ctr"/>
-          <a:p>
-            <a:pPr algn="ctr">
-              <a:lnSpc>
-                <a:spcPct val="100000"/>
-              </a:lnSpc>
-            </a:pPr>
+            <a:off x="457200" y="274680"/>
+            <a:ext cx="8228880" cy="1142280"/>
+          </a:xfrm>
+          <a:prstGeom prst="rect">
+            <a:avLst/>
+          </a:prstGeom>
+        </p:spPr>
+        <p:txBody>
+          <a:bodyPr lIns="0" rIns="0" tIns="0" bIns="0" anchor="ctr"/>
+          <a:p>
             <a:r>
-              <a:rPr lang="bg-BG" sz="4400" strike="noStrike">
-                <a:solidFill>
-                  <a:srgbClr val="000000"/>
-                </a:solidFill>
-                <a:latin typeface="Calibri"/>
+              <a:rPr lang="en-US">
+                <a:latin typeface="Arial"/>
               </a:rPr>
-              <a:t>Click to edit the title text formatClick to edit Master title style</a:t>
+              <a:t>Click to edit the title text format</a:t>
             </a:r>
             <a:endParaRPr/>
           </a:p>
@@ -2377,112 +2389,6 @@
       <p:sp>
         <p:nvSpPr>
           <p:cNvPr id="1" name="PlaceHolder 2"/>
-          <p:cNvSpPr>
-            <a:spLocks noGrp="1"/>
-          </p:cNvSpPr>
-          <p:nvPr>
-            <p:ph type="dt"/>
-          </p:nvPr>
-        </p:nvSpPr>
-        <p:spPr>
-          <a:xfrm>
-            <a:off x="457200" y="6356520"/>
-            <a:ext cx="2133360" cy="364680"/>
-          </a:xfrm>
-          <a:prstGeom prst="rect">
-            <a:avLst/>
-          </a:prstGeom>
-        </p:spPr>
-        <p:txBody>
-          <a:bodyPr anchor="ctr"/>
-          <a:p>
-            <a:pPr>
-              <a:lnSpc>
-                <a:spcPct val="100000"/>
-              </a:lnSpc>
-            </a:pPr>
-            <a:r>
-              <a:rPr lang="en-US" sz="1200" strike="noStrike">
-                <a:solidFill>
-                  <a:srgbClr val="8b8b8b"/>
-                </a:solidFill>
-                <a:latin typeface="Calibri"/>
-              </a:rPr>
-              <a:t>4/27/15</a:t>
-            </a:r>
-            <a:endParaRPr/>
-          </a:p>
-        </p:txBody>
-      </p:sp>
-      <p:sp>
-        <p:nvSpPr>
-          <p:cNvPr id="2" name="PlaceHolder 3"/>
-          <p:cNvSpPr>
-            <a:spLocks noGrp="1"/>
-          </p:cNvSpPr>
-          <p:nvPr>
-            <p:ph type="ftr"/>
-          </p:nvPr>
-        </p:nvSpPr>
-        <p:spPr>
-          <a:xfrm>
-            <a:off x="3124080" y="6356520"/>
-            <a:ext cx="2895120" cy="364680"/>
-          </a:xfrm>
-          <a:prstGeom prst="rect">
-            <a:avLst/>
-          </a:prstGeom>
-        </p:spPr>
-        <p:txBody>
-          <a:bodyPr anchor="ctr"/>
-          <a:p>
-            <a:endParaRPr/>
-          </a:p>
-        </p:txBody>
-      </p:sp>
-      <p:sp>
-        <p:nvSpPr>
-          <p:cNvPr id="3" name="PlaceHolder 4"/>
-          <p:cNvSpPr>
-            <a:spLocks noGrp="1"/>
-          </p:cNvSpPr>
-          <p:nvPr>
-            <p:ph type="sldNum"/>
-          </p:nvPr>
-        </p:nvSpPr>
-        <p:spPr>
-          <a:xfrm>
-            <a:off x="6553080" y="6356520"/>
-            <a:ext cx="2133360" cy="364680"/>
-          </a:xfrm>
-          <a:prstGeom prst="rect">
-            <a:avLst/>
-          </a:prstGeom>
-        </p:spPr>
-        <p:txBody>
-          <a:bodyPr anchor="ctr"/>
-          <a:p>
-            <a:pPr algn="r">
-              <a:lnSpc>
-                <a:spcPct val="100000"/>
-              </a:lnSpc>
-            </a:pPr>
-            <a:fld id="{ABAE996F-51B7-4D4C-B3DF-65ACBC39D3A3}" type="slidenum">
-              <a:rPr lang="en-US" sz="1200" strike="noStrike">
-                <a:solidFill>
-                  <a:srgbClr val="8b8b8b"/>
-                </a:solidFill>
-                <a:latin typeface="Calibri"/>
-              </a:rPr>
-              <a:t>&lt;number&gt;</a:t>
-            </a:fld>
-            <a:endParaRPr/>
-          </a:p>
-        </p:txBody>
-      </p:sp>
-      <p:sp>
-        <p:nvSpPr>
-          <p:cNvPr id="4" name="PlaceHolder 5"/>
           <p:cNvSpPr>
             <a:spLocks noGrp="1"/>
           </p:cNvSpPr>
@@ -2508,8 +2414,8 @@
               <a:buChar char=""/>
             </a:pPr>
             <a:r>
-              <a:rPr lang="bg-BG" sz="3200">
-                <a:latin typeface="Calibri"/>
+              <a:rPr lang="en-US" sz="3200">
+                <a:latin typeface="Arial"/>
               </a:rPr>
               <a:t>Click to edit the outline text format</a:t>
             </a:r>
@@ -2522,8 +2428,8 @@
               <a:buChar char=""/>
             </a:pPr>
             <a:r>
-              <a:rPr lang="bg-BG" sz="2400">
-                <a:latin typeface="Calibri"/>
+              <a:rPr lang="en-US" sz="2800">
+                <a:latin typeface="Arial"/>
               </a:rPr>
               <a:t>Second Outline Level</a:t>
             </a:r>
@@ -2536,8 +2442,8 @@
               <a:buChar char=""/>
             </a:pPr>
             <a:r>
-              <a:rPr lang="bg-BG" sz="2000">
-                <a:latin typeface="Calibri"/>
+              <a:rPr lang="en-US" sz="2400">
+                <a:latin typeface="Arial"/>
               </a:rPr>
               <a:t>Third Outline Level</a:t>
             </a:r>
@@ -2550,8 +2456,8 @@
               <a:buChar char=""/>
             </a:pPr>
             <a:r>
-              <a:rPr lang="bg-BG" sz="2000">
-                <a:latin typeface="Calibri"/>
+              <a:rPr lang="en-US" sz="2000">
+                <a:latin typeface="Arial"/>
               </a:rPr>
               <a:t>Fourth Outline Level</a:t>
             </a:r>
@@ -2564,8 +2470,8 @@
               <a:buChar char=""/>
             </a:pPr>
             <a:r>
-              <a:rPr lang="bg-BG" sz="2000">
-                <a:latin typeface="Calibri"/>
+              <a:rPr lang="en-US" sz="2000">
+                <a:latin typeface="Arial"/>
               </a:rPr>
               <a:t>Fifth Outline Level</a:t>
             </a:r>
@@ -2578,8 +2484,8 @@
               <a:buChar char=""/>
             </a:pPr>
             <a:r>
-              <a:rPr lang="bg-BG" sz="2000">
-                <a:latin typeface="Calibri"/>
+              <a:rPr lang="en-US" sz="2000">
+                <a:latin typeface="Arial"/>
               </a:rPr>
               <a:t>Sixth Outline Level</a:t>
             </a:r>
@@ -2592,8 +2498,8 @@
               <a:buChar char=""/>
             </a:pPr>
             <a:r>
-              <a:rPr lang="bg-BG" sz="2000">
-                <a:latin typeface="Calibri"/>
+              <a:rPr lang="en-US" sz="2000">
+                <a:latin typeface="Arial"/>
               </a:rPr>
               <a:t>Seventh Outline Level</a:t>
             </a:r>
@@ -2650,7 +2556,7 @@
       </p:grpSpPr>
       <p:sp>
         <p:nvSpPr>
-          <p:cNvPr id="39" name="PlaceHolder 1"/>
+          <p:cNvPr id="36" name="PlaceHolder 1"/>
           <p:cNvSpPr>
             <a:spLocks noGrp="1"/>
           </p:cNvSpPr>
@@ -2660,29 +2566,22 @@
         </p:nvSpPr>
         <p:spPr>
           <a:xfrm>
-            <a:off x="457200" y="274680"/>
-            <a:ext cx="8229240" cy="1142640"/>
-          </a:xfrm>
-          <a:prstGeom prst="rect">
-            <a:avLst/>
-          </a:prstGeom>
-        </p:spPr>
-        <p:txBody>
-          <a:bodyPr anchor="ctr"/>
-          <a:p>
-            <a:pPr algn="ctr">
-              <a:lnSpc>
-                <a:spcPct val="100000"/>
-              </a:lnSpc>
-            </a:pPr>
+            <a:off x="457200" y="273600"/>
+            <a:ext cx="8229240" cy="1144800"/>
+          </a:xfrm>
+          <a:prstGeom prst="rect">
+            <a:avLst/>
+          </a:prstGeom>
+        </p:spPr>
+        <p:txBody>
+          <a:bodyPr lIns="0" rIns="0" tIns="0" bIns="0" anchor="ctr"/>
+          <a:p>
+            <a:pPr algn="ctr"/>
             <a:r>
-              <a:rPr lang="bg-BG" sz="4400" strike="noStrike">
-                <a:solidFill>
-                  <a:srgbClr val="000000"/>
-                </a:solidFill>
-                <a:latin typeface="Calibri"/>
+              <a:rPr lang="en-US" sz="4400">
+                <a:latin typeface="Arial"/>
               </a:rPr>
-              <a:t>Click to edit the title text formatClick to edit Master title style</a:t>
+              <a:t>Click to edit the title text format</a:t>
             </a:r>
             <a:endParaRPr/>
           </a:p>
@@ -2690,7 +2589,7 @@
       </p:sp>
       <p:sp>
         <p:nvSpPr>
-          <p:cNvPr id="40" name="PlaceHolder 2"/>
+          <p:cNvPr id="37" name="PlaceHolder 2"/>
           <p:cNvSpPr>
             <a:spLocks noGrp="1"/>
           </p:cNvSpPr>
@@ -2700,15 +2599,15 @@
         </p:nvSpPr>
         <p:spPr>
           <a:xfrm>
-            <a:off x="457200" y="1600200"/>
-            <a:ext cx="8229240" cy="4525560"/>
-          </a:xfrm>
-          <a:prstGeom prst="rect">
-            <a:avLst/>
-          </a:prstGeom>
-        </p:spPr>
-        <p:txBody>
-          <a:bodyPr/>
+            <a:off x="457200" y="1604520"/>
+            <a:ext cx="8229240" cy="3977280"/>
+          </a:xfrm>
+          <a:prstGeom prst="rect">
+            <a:avLst/>
+          </a:prstGeom>
+        </p:spPr>
+        <p:txBody>
+          <a:bodyPr lIns="0" rIns="0" tIns="0" bIns="0"/>
           <a:p>
             <a:pPr>
               <a:buSzPct val="45000"/>
@@ -2716,11 +2615,8 @@
               <a:buChar char=""/>
             </a:pPr>
             <a:r>
-              <a:rPr lang="bg-BG" sz="3200" strike="noStrike">
-                <a:solidFill>
-                  <a:srgbClr val="000000"/>
-                </a:solidFill>
-                <a:latin typeface="Calibri"/>
+              <a:rPr lang="en-US" sz="3200">
+                <a:latin typeface="Arial"/>
               </a:rPr>
               <a:t>Click to edit the outline text format</a:t>
             </a:r>
@@ -2733,11 +2629,8 @@
               <a:buChar char=""/>
             </a:pPr>
             <a:r>
-              <a:rPr lang="bg-BG" sz="3200" strike="noStrike">
-                <a:solidFill>
-                  <a:srgbClr val="000000"/>
-                </a:solidFill>
-                <a:latin typeface="Calibri"/>
+              <a:rPr lang="en-US" sz="2800">
+                <a:latin typeface="Arial"/>
               </a:rPr>
               <a:t>Second Outline Level</a:t>
             </a:r>
@@ -2750,11 +2643,8 @@
               <a:buChar char=""/>
             </a:pPr>
             <a:r>
-              <a:rPr lang="bg-BG" sz="3200" strike="noStrike">
-                <a:solidFill>
-                  <a:srgbClr val="000000"/>
-                </a:solidFill>
-                <a:latin typeface="Calibri"/>
+              <a:rPr lang="en-US" sz="2400">
+                <a:latin typeface="Arial"/>
               </a:rPr>
               <a:t>Third Outline Level</a:t>
             </a:r>
@@ -2767,11 +2657,8 @@
               <a:buChar char=""/>
             </a:pPr>
             <a:r>
-              <a:rPr lang="bg-BG" sz="3200" strike="noStrike">
-                <a:solidFill>
-                  <a:srgbClr val="000000"/>
-                </a:solidFill>
-                <a:latin typeface="Calibri"/>
+              <a:rPr lang="en-US" sz="2000">
+                <a:latin typeface="Arial"/>
               </a:rPr>
               <a:t>Fourth Outline Level</a:t>
             </a:r>
@@ -2784,11 +2671,8 @@
               <a:buChar char=""/>
             </a:pPr>
             <a:r>
-              <a:rPr lang="bg-BG" sz="3200" strike="noStrike">
-                <a:solidFill>
-                  <a:srgbClr val="000000"/>
-                </a:solidFill>
-                <a:latin typeface="Calibri"/>
+              <a:rPr lang="en-US" sz="2000">
+                <a:latin typeface="Arial"/>
               </a:rPr>
               <a:t>Fifth Outline Level</a:t>
             </a:r>
@@ -2801,215 +2685,25 @@
               <a:buChar char=""/>
             </a:pPr>
             <a:r>
-              <a:rPr lang="bg-BG" sz="3200" strike="noStrike">
-                <a:solidFill>
-                  <a:srgbClr val="000000"/>
-                </a:solidFill>
-                <a:latin typeface="Calibri"/>
+              <a:rPr lang="en-US" sz="2000">
+                <a:latin typeface="Arial"/>
               </a:rPr>
               <a:t>Sixth Outline Level</a:t>
             </a:r>
             <a:endParaRPr/>
           </a:p>
           <a:p>
-            <a:pPr>
-              <a:lnSpc>
-                <a:spcPct val="100000"/>
-              </a:lnSpc>
-              <a:buFont typeface="Arial"/>
-              <a:buChar char="•"/>
+            <a:pPr lvl="6">
+              <a:buSzPct val="45000"/>
+              <a:buFont typeface="StarSymbol"/>
+              <a:buChar char=""/>
             </a:pPr>
             <a:r>
-              <a:rPr lang="bg-BG" sz="3200" strike="noStrike">
-                <a:solidFill>
-                  <a:srgbClr val="000000"/>
-                </a:solidFill>
-                <a:latin typeface="Calibri"/>
+              <a:rPr lang="en-US" sz="2000">
+                <a:latin typeface="Arial"/>
               </a:rPr>
-              <a:t>Seventh Outline LevelClick to edit Master text styles</a:t>
+              <a:t>Seventh Outline Level</a:t>
             </a:r>
-            <a:endParaRPr/>
-          </a:p>
-          <a:p>
-            <a:pPr lvl="1">
-              <a:lnSpc>
-                <a:spcPct val="100000"/>
-              </a:lnSpc>
-              <a:buFont typeface="Arial"/>
-              <a:buChar char="–"/>
-            </a:pPr>
-            <a:r>
-              <a:rPr lang="bg-BG" sz="2800" strike="noStrike">
-                <a:solidFill>
-                  <a:srgbClr val="000000"/>
-                </a:solidFill>
-                <a:latin typeface="Calibri"/>
-              </a:rPr>
-              <a:t>Second level</a:t>
-            </a:r>
-            <a:endParaRPr/>
-          </a:p>
-          <a:p>
-            <a:pPr lvl="2">
-              <a:lnSpc>
-                <a:spcPct val="100000"/>
-              </a:lnSpc>
-              <a:buFont typeface="Arial"/>
-              <a:buChar char="•"/>
-            </a:pPr>
-            <a:r>
-              <a:rPr lang="bg-BG" sz="2400" strike="noStrike">
-                <a:solidFill>
-                  <a:srgbClr val="000000"/>
-                </a:solidFill>
-                <a:latin typeface="Calibri"/>
-              </a:rPr>
-              <a:t>Third level</a:t>
-            </a:r>
-            <a:endParaRPr/>
-          </a:p>
-          <a:p>
-            <a:pPr lvl="3">
-              <a:lnSpc>
-                <a:spcPct val="100000"/>
-              </a:lnSpc>
-              <a:buFont typeface="Arial"/>
-              <a:buChar char="–"/>
-            </a:pPr>
-            <a:r>
-              <a:rPr lang="bg-BG" sz="2000" strike="noStrike">
-                <a:solidFill>
-                  <a:srgbClr val="000000"/>
-                </a:solidFill>
-                <a:latin typeface="Calibri"/>
-              </a:rPr>
-              <a:t>Fourth level</a:t>
-            </a:r>
-            <a:endParaRPr/>
-          </a:p>
-          <a:p>
-            <a:pPr lvl="4">
-              <a:lnSpc>
-                <a:spcPct val="100000"/>
-              </a:lnSpc>
-              <a:buFont typeface="Arial"/>
-              <a:buChar char="»"/>
-            </a:pPr>
-            <a:r>
-              <a:rPr lang="bg-BG" sz="2000" strike="noStrike">
-                <a:solidFill>
-                  <a:srgbClr val="000000"/>
-                </a:solidFill>
-                <a:latin typeface="Calibri"/>
-              </a:rPr>
-              <a:t>Fifth level</a:t>
-            </a:r>
-            <a:endParaRPr/>
-          </a:p>
-        </p:txBody>
-      </p:sp>
-      <p:sp>
-        <p:nvSpPr>
-          <p:cNvPr id="41" name="PlaceHolder 3"/>
-          <p:cNvSpPr>
-            <a:spLocks noGrp="1"/>
-          </p:cNvSpPr>
-          <p:nvPr>
-            <p:ph type="dt"/>
-          </p:nvPr>
-        </p:nvSpPr>
-        <p:spPr>
-          <a:xfrm>
-            <a:off x="457200" y="6356520"/>
-            <a:ext cx="2133360" cy="364680"/>
-          </a:xfrm>
-          <a:prstGeom prst="rect">
-            <a:avLst/>
-          </a:prstGeom>
-        </p:spPr>
-        <p:txBody>
-          <a:bodyPr anchor="ctr"/>
-          <a:p>
-            <a:pPr>
-              <a:lnSpc>
-                <a:spcPct val="100000"/>
-              </a:lnSpc>
-            </a:pPr>
-            <a:r>
-              <a:rPr lang="en-US" sz="1200" strike="noStrike">
-                <a:solidFill>
-                  <a:srgbClr val="8b8b8b"/>
-                </a:solidFill>
-                <a:latin typeface="Calibri"/>
-              </a:rPr>
-              <a:t>4/27/15</a:t>
-            </a:r>
-            <a:endParaRPr/>
-          </a:p>
-        </p:txBody>
-      </p:sp>
-      <p:sp>
-        <p:nvSpPr>
-          <p:cNvPr id="42" name="PlaceHolder 4"/>
-          <p:cNvSpPr>
-            <a:spLocks noGrp="1"/>
-          </p:cNvSpPr>
-          <p:nvPr>
-            <p:ph type="ftr"/>
-          </p:nvPr>
-        </p:nvSpPr>
-        <p:spPr>
-          <a:xfrm>
-            <a:off x="3124080" y="6356520"/>
-            <a:ext cx="2895120" cy="364680"/>
-          </a:xfrm>
-          <a:prstGeom prst="rect">
-            <a:avLst/>
-          </a:prstGeom>
-        </p:spPr>
-        <p:txBody>
-          <a:bodyPr anchor="ctr"/>
-          <a:p>
-            <a:endParaRPr/>
-          </a:p>
-        </p:txBody>
-      </p:sp>
-      <p:sp>
-        <p:nvSpPr>
-          <p:cNvPr id="43" name="PlaceHolder 5"/>
-          <p:cNvSpPr>
-            <a:spLocks noGrp="1"/>
-          </p:cNvSpPr>
-          <p:nvPr>
-            <p:ph type="sldNum"/>
-          </p:nvPr>
-        </p:nvSpPr>
-        <p:spPr>
-          <a:xfrm>
-            <a:off x="6553080" y="6356520"/>
-            <a:ext cx="2133360" cy="364680"/>
-          </a:xfrm>
-          <a:prstGeom prst="rect">
-            <a:avLst/>
-          </a:prstGeom>
-        </p:spPr>
-        <p:txBody>
-          <a:bodyPr anchor="ctr"/>
-          <a:p>
-            <a:pPr algn="r">
-              <a:lnSpc>
-                <a:spcPct val="100000"/>
-              </a:lnSpc>
-            </a:pPr>
-            <a:fld id="{9CA44314-A4DF-45E5-8CDD-554286C4E381}" type="slidenum">
-              <a:rPr lang="en-US" sz="1200" strike="noStrike">
-                <a:solidFill>
-                  <a:srgbClr val="8b8b8b"/>
-                </a:solidFill>
-                <a:latin typeface="Calibri"/>
-              </a:rPr>
-              <a:t>&lt;number&gt;</a:t>
-            </a:fld>
             <a:endParaRPr/>
           </a:p>
         </p:txBody>
@@ -3053,14 +2747,14 @@
       </p:grpSpPr>
       <p:sp>
         <p:nvSpPr>
-          <p:cNvPr id="78" name="TextShape 1"/>
-          <p:cNvSpPr txBox="1"/>
+          <p:cNvPr id="72" name="CustomShape 1"/>
+          <p:cNvSpPr/>
           <p:nvPr/>
         </p:nvSpPr>
         <p:spPr>
           <a:xfrm>
             <a:off x="685800" y="2130480"/>
-            <a:ext cx="7772040" cy="1469520"/>
+            <a:ext cx="7771680" cy="1469160"/>
           </a:xfrm>
           <a:prstGeom prst="rect">
             <a:avLst/>
@@ -3070,8 +2764,14 @@
             <a:noFill/>
           </a:ln>
         </p:spPr>
-        <p:txBody>
-          <a:bodyPr anchor="ctr"/>
+        <p:style>
+          <a:lnRef idx="0"/>
+          <a:fillRef idx="0"/>
+          <a:effectRef idx="0"/>
+          <a:fontRef idx="minor"/>
+        </p:style>
+        <p:txBody>
+          <a:bodyPr lIns="90000" rIns="90000" tIns="45000" bIns="45000" anchor="ctr"/>
           <a:p>
             <a:pPr algn="ctr">
               <a:lnSpc>
@@ -3079,7 +2779,7 @@
               </a:lnSpc>
             </a:pPr>
             <a:r>
-              <a:rPr lang="bg-BG" sz="4400" strike="noStrike">
+              <a:rPr lang="en-US" sz="4400" strike="noStrike">
                 <a:solidFill>
                   <a:srgbClr val="f79646"/>
                 </a:solidFill>
@@ -3093,14 +2793,14 @@
       </p:sp>
       <p:sp>
         <p:nvSpPr>
-          <p:cNvPr id="79" name="TextShape 2"/>
-          <p:cNvSpPr txBox="1"/>
+          <p:cNvPr id="73" name="CustomShape 2"/>
+          <p:cNvSpPr/>
           <p:nvPr/>
         </p:nvSpPr>
         <p:spPr>
           <a:xfrm>
             <a:off x="1371600" y="3886200"/>
-            <a:ext cx="6400440" cy="1752120"/>
+            <a:ext cx="6400080" cy="1751760"/>
           </a:xfrm>
           <a:prstGeom prst="rect">
             <a:avLst/>
@@ -3110,8 +2810,14 @@
             <a:noFill/>
           </a:ln>
         </p:spPr>
-        <p:txBody>
-          <a:bodyPr/>
+        <p:style>
+          <a:lnRef idx="0"/>
+          <a:fillRef idx="0"/>
+          <a:effectRef idx="0"/>
+          <a:fontRef idx="minor"/>
+        </p:style>
+        <p:txBody>
+          <a:bodyPr lIns="90000" rIns="90000" tIns="45000" bIns="45000"/>
           <a:p>
             <a:pPr algn="ctr">
               <a:lnSpc>
@@ -3190,14 +2896,14 @@
       </p:grpSpPr>
       <p:sp>
         <p:nvSpPr>
-          <p:cNvPr id="80" name="TextShape 1"/>
-          <p:cNvSpPr txBox="1"/>
+          <p:cNvPr id="74" name="CustomShape 1"/>
+          <p:cNvSpPr/>
           <p:nvPr/>
         </p:nvSpPr>
         <p:spPr>
           <a:xfrm>
             <a:off x="838080" y="685800"/>
-            <a:ext cx="8229240" cy="1142640"/>
+            <a:ext cx="8228880" cy="1142280"/>
           </a:xfrm>
           <a:prstGeom prst="rect">
             <a:avLst/>
@@ -3207,8 +2913,14 @@
             <a:noFill/>
           </a:ln>
         </p:spPr>
-        <p:txBody>
-          <a:bodyPr anchor="ctr"/>
+        <p:style>
+          <a:lnRef idx="0"/>
+          <a:fillRef idx="0"/>
+          <a:effectRef idx="0"/>
+          <a:fontRef idx="minor"/>
+        </p:style>
+        <p:txBody>
+          <a:bodyPr lIns="90000" rIns="90000" tIns="45000" bIns="45000" anchor="ctr"/>
           <a:p>
             <a:pPr>
               <a:lnSpc>
@@ -3216,7 +2928,7 @@
               </a:lnSpc>
             </a:pPr>
             <a:r>
-              <a:rPr lang="bg-BG" sz="4400" strike="noStrike">
+              <a:rPr lang="en-US" sz="4400" strike="noStrike">
                 <a:solidFill>
                   <a:srgbClr val="f79646"/>
                 </a:solidFill>
@@ -3230,7 +2942,7 @@
       </p:sp>
       <p:pic>
         <p:nvPicPr>
-          <p:cNvPr id="81" name="Picture 3" descr=""/>
+          <p:cNvPr id="75" name="Picture 3" descr=""/>
           <p:cNvPicPr/>
           <p:nvPr/>
         </p:nvPicPr>
@@ -3241,7 +2953,7 @@
         <p:spPr>
           <a:xfrm>
             <a:off x="2229120" y="1905120"/>
-            <a:ext cx="4032360" cy="3276360"/>
+            <a:ext cx="4032000" cy="3276000"/>
           </a:xfrm>
           <a:prstGeom prst="rect">
             <a:avLst/>
@@ -3302,14 +3014,14 @@
       </p:grpSpPr>
       <p:sp>
         <p:nvSpPr>
-          <p:cNvPr id="82" name="TextShape 1"/>
-          <p:cNvSpPr txBox="1"/>
+          <p:cNvPr id="76" name="CustomShape 1"/>
+          <p:cNvSpPr/>
           <p:nvPr/>
         </p:nvSpPr>
         <p:spPr>
           <a:xfrm>
             <a:off x="838080" y="685800"/>
-            <a:ext cx="8229240" cy="1142640"/>
+            <a:ext cx="8228880" cy="1142280"/>
           </a:xfrm>
           <a:prstGeom prst="rect">
             <a:avLst/>
@@ -3319,8 +3031,14 @@
             <a:noFill/>
           </a:ln>
         </p:spPr>
-        <p:txBody>
-          <a:bodyPr anchor="ctr"/>
+        <p:style>
+          <a:lnRef idx="0"/>
+          <a:fillRef idx="0"/>
+          <a:effectRef idx="0"/>
+          <a:fontRef idx="minor"/>
+        </p:style>
+        <p:txBody>
+          <a:bodyPr lIns="90000" rIns="90000" tIns="45000" bIns="45000" anchor="ctr"/>
           <a:p>
             <a:pPr>
               <a:lnSpc>
@@ -3328,7 +3046,7 @@
               </a:lnSpc>
             </a:pPr>
             <a:r>
-              <a:rPr lang="bg-BG" sz="4400" strike="noStrike">
+              <a:rPr lang="en-US" sz="4400" strike="noStrike">
                 <a:solidFill>
                   <a:srgbClr val="f79646"/>
                 </a:solidFill>
@@ -3342,14 +3060,14 @@
       </p:sp>
       <p:sp>
         <p:nvSpPr>
-          <p:cNvPr id="83" name="TextShape 2"/>
-          <p:cNvSpPr txBox="1"/>
+          <p:cNvPr id="77" name="CustomShape 2"/>
+          <p:cNvSpPr/>
           <p:nvPr/>
         </p:nvSpPr>
         <p:spPr>
           <a:xfrm>
             <a:off x="762120" y="1600200"/>
-            <a:ext cx="7848360" cy="4525560"/>
+            <a:ext cx="7848000" cy="4525200"/>
           </a:xfrm>
           <a:prstGeom prst="rect">
             <a:avLst/>
@@ -3359,8 +3077,14 @@
             <a:noFill/>
           </a:ln>
         </p:spPr>
-        <p:txBody>
-          <a:bodyPr/>
+        <p:style>
+          <a:lnRef idx="0"/>
+          <a:fillRef idx="0"/>
+          <a:effectRef idx="0"/>
+          <a:fontRef idx="minor"/>
+        </p:style>
+        <p:txBody>
+          <a:bodyPr lIns="90000" rIns="90000" tIns="45000" bIns="45000"/>
           <a:p>
             <a:pPr>
               <a:lnSpc>
@@ -3370,7 +3094,7 @@
               <a:buChar char=""/>
             </a:pPr>
             <a:r>
-              <a:rPr lang="bg-BG" sz="3200" strike="noStrike">
+              <a:rPr lang="en-US" sz="3200" strike="noStrike">
                 <a:solidFill>
                   <a:srgbClr val="f2f2f2"/>
                 </a:solidFill>
@@ -3389,7 +3113,7 @@
               <a:buChar char=""/>
             </a:pPr>
             <a:r>
-              <a:rPr lang="bg-BG" sz="3200" strike="noStrike">
+              <a:rPr lang="en-US" sz="3200" strike="noStrike">
                 <a:solidFill>
                   <a:srgbClr val="f2f2f2"/>
                 </a:solidFill>
@@ -3408,7 +3132,7 @@
               <a:buChar char=""/>
             </a:pPr>
             <a:r>
-              <a:rPr lang="bg-BG" sz="3200" strike="noStrike">
+              <a:rPr lang="en-US" sz="3200" strike="noStrike">
                 <a:solidFill>
                   <a:srgbClr val="f2f2f2"/>
                 </a:solidFill>
@@ -3471,14 +3195,14 @@
       </p:grpSpPr>
       <p:sp>
         <p:nvSpPr>
-          <p:cNvPr id="84" name="TextShape 1"/>
-          <p:cNvSpPr txBox="1"/>
+          <p:cNvPr id="78" name="CustomShape 1"/>
+          <p:cNvSpPr/>
           <p:nvPr/>
         </p:nvSpPr>
         <p:spPr>
           <a:xfrm>
             <a:off x="838080" y="685800"/>
-            <a:ext cx="8229240" cy="1142640"/>
+            <a:ext cx="8228880" cy="1142280"/>
           </a:xfrm>
           <a:prstGeom prst="rect">
             <a:avLst/>
@@ -3488,8 +3212,14 @@
             <a:noFill/>
           </a:ln>
         </p:spPr>
-        <p:txBody>
-          <a:bodyPr anchor="ctr"/>
+        <p:style>
+          <a:lnRef idx="0"/>
+          <a:fillRef idx="0"/>
+          <a:effectRef idx="0"/>
+          <a:fontRef idx="minor"/>
+        </p:style>
+        <p:txBody>
+          <a:bodyPr lIns="90000" rIns="90000" tIns="45000" bIns="45000" anchor="ctr"/>
           <a:p>
             <a:pPr>
               <a:lnSpc>
@@ -3497,7 +3227,7 @@
               </a:lnSpc>
             </a:pPr>
             <a:r>
-              <a:rPr lang="bg-BG" sz="4400" strike="noStrike">
+              <a:rPr lang="en-US" sz="4400" strike="noStrike">
                 <a:solidFill>
                   <a:srgbClr val="f79646"/>
                 </a:solidFill>
@@ -3511,7 +3241,7 @@
       </p:sp>
       <p:pic>
         <p:nvPicPr>
-          <p:cNvPr id="85" name="Picture 4" descr=""/>
+          <p:cNvPr id="79" name="Picture 4" descr=""/>
           <p:cNvPicPr/>
           <p:nvPr/>
         </p:nvPicPr>
@@ -3521,8 +3251,8 @@
         </p:blipFill>
         <p:spPr>
           <a:xfrm>
-            <a:off x="2514600" y="1852560"/>
-            <a:ext cx="3962160" cy="2971440"/>
+            <a:off x="2286000" y="2377440"/>
+            <a:ext cx="3961800" cy="2971080"/>
           </a:xfrm>
           <a:prstGeom prst="rect">
             <a:avLst/>
@@ -3583,14 +3313,14 @@
       </p:grpSpPr>
       <p:sp>
         <p:nvSpPr>
-          <p:cNvPr id="86" name="TextShape 1"/>
-          <p:cNvSpPr txBox="1"/>
+          <p:cNvPr id="80" name="CustomShape 1"/>
+          <p:cNvSpPr/>
           <p:nvPr/>
         </p:nvSpPr>
         <p:spPr>
           <a:xfrm>
             <a:off x="838080" y="685800"/>
-            <a:ext cx="8229240" cy="1142640"/>
+            <a:ext cx="8228880" cy="1142280"/>
           </a:xfrm>
           <a:prstGeom prst="rect">
             <a:avLst/>
@@ -3600,8 +3330,14 @@
             <a:noFill/>
           </a:ln>
         </p:spPr>
-        <p:txBody>
-          <a:bodyPr anchor="ctr"/>
+        <p:style>
+          <a:lnRef idx="0"/>
+          <a:fillRef idx="0"/>
+          <a:effectRef idx="0"/>
+          <a:fontRef idx="minor"/>
+        </p:style>
+        <p:txBody>
+          <a:bodyPr lIns="90000" rIns="90000" tIns="45000" bIns="45000" anchor="ctr"/>
           <a:p>
             <a:pPr>
               <a:lnSpc>
@@ -3609,7 +3345,7 @@
               </a:lnSpc>
             </a:pPr>
             <a:r>
-              <a:rPr lang="bg-BG" sz="4400" strike="noStrike">
+              <a:rPr lang="en-US" sz="4400" strike="noStrike">
                 <a:solidFill>
                   <a:srgbClr val="f79646"/>
                 </a:solidFill>
@@ -3623,14 +3359,14 @@
       </p:sp>
       <p:sp>
         <p:nvSpPr>
-          <p:cNvPr id="87" name="TextShape 2"/>
-          <p:cNvSpPr txBox="1"/>
+          <p:cNvPr id="81" name="CustomShape 2"/>
+          <p:cNvSpPr/>
           <p:nvPr/>
         </p:nvSpPr>
         <p:spPr>
           <a:xfrm>
             <a:off x="762120" y="1676520"/>
-            <a:ext cx="7848360" cy="4525560"/>
+            <a:ext cx="7848000" cy="4525200"/>
           </a:xfrm>
           <a:prstGeom prst="rect">
             <a:avLst/>
@@ -3640,8 +3376,14 @@
             <a:noFill/>
           </a:ln>
         </p:spPr>
-        <p:txBody>
-          <a:bodyPr/>
+        <p:style>
+          <a:lnRef idx="0"/>
+          <a:fillRef idx="0"/>
+          <a:effectRef idx="0"/>
+          <a:fontRef idx="minor"/>
+        </p:style>
+        <p:txBody>
+          <a:bodyPr lIns="90000" rIns="90000" tIns="45000" bIns="45000"/>
           <a:p>
             <a:pPr>
               <a:lnSpc>
@@ -3651,7 +3393,7 @@
               <a:buChar char=""/>
             </a:pPr>
             <a:r>
-              <a:rPr lang="bg-BG" sz="3200" strike="noStrike">
+              <a:rPr lang="en-US" sz="3200" strike="noStrike">
                 <a:solidFill>
                   <a:srgbClr val="f2f2f2"/>
                 </a:solidFill>
@@ -3670,7 +3412,7 @@
               <a:buChar char=""/>
             </a:pPr>
             <a:r>
-              <a:rPr lang="bg-BG" sz="3200" strike="noStrike">
+              <a:rPr lang="en-US" sz="3200" strike="noStrike">
                 <a:solidFill>
                   <a:srgbClr val="f2f2f2"/>
                 </a:solidFill>
@@ -3689,7 +3431,7 @@
               <a:buChar char=""/>
             </a:pPr>
             <a:r>
-              <a:rPr lang="bg-BG" sz="3200" strike="noStrike">
+              <a:rPr lang="en-US" sz="3200" strike="noStrike">
                 <a:solidFill>
                   <a:srgbClr val="f2f2f2"/>
                 </a:solidFill>
@@ -3698,7 +3440,7 @@
               <a:t>Програмиране за мобилни приложения</a:t>
             </a:r>
             <a:r>
-              <a:rPr lang="bg-BG" sz="3200" strike="noStrike">
+              <a:rPr lang="en-US" sz="3200" strike="noStrike">
                 <a:solidFill>
                   <a:srgbClr val="f2f2f2"/>
                 </a:solidFill>
@@ -3717,7 +3459,7 @@
               <a:buChar char=""/>
             </a:pPr>
             <a:r>
-              <a:rPr lang="bg-BG" sz="3200" strike="noStrike">
+              <a:rPr lang="en-US" sz="3200" strike="noStrike">
                 <a:solidFill>
                   <a:srgbClr val="f2f2f2"/>
                 </a:solidFill>
@@ -3736,7 +3478,7 @@
               <a:buChar char=""/>
             </a:pPr>
             <a:r>
-              <a:rPr lang="bg-BG" sz="3200" strike="noStrike">
+              <a:rPr lang="en-US" sz="3200" strike="noStrike">
                 <a:solidFill>
                   <a:srgbClr val="f2f2f2"/>
                 </a:solidFill>
@@ -3755,7 +3497,7 @@
               <a:buChar char=""/>
             </a:pPr>
             <a:r>
-              <a:rPr lang="bg-BG" sz="3200" strike="noStrike">
+              <a:rPr lang="en-US" sz="3200" strike="noStrike">
                 <a:solidFill>
                   <a:srgbClr val="f2f2f2"/>
                 </a:solidFill>
@@ -3818,14 +3560,14 @@
       </p:grpSpPr>
       <p:sp>
         <p:nvSpPr>
-          <p:cNvPr id="88" name="TextShape 1"/>
-          <p:cNvSpPr txBox="1"/>
+          <p:cNvPr id="82" name="CustomShape 1"/>
+          <p:cNvSpPr/>
           <p:nvPr/>
         </p:nvSpPr>
         <p:spPr>
           <a:xfrm>
             <a:off x="838080" y="685800"/>
-            <a:ext cx="8229240" cy="1142640"/>
+            <a:ext cx="8228880" cy="1142280"/>
           </a:xfrm>
           <a:prstGeom prst="rect">
             <a:avLst/>
@@ -3835,8 +3577,14 @@
             <a:noFill/>
           </a:ln>
         </p:spPr>
-        <p:txBody>
-          <a:bodyPr anchor="ctr"/>
+        <p:style>
+          <a:lnRef idx="0"/>
+          <a:fillRef idx="0"/>
+          <a:effectRef idx="0"/>
+          <a:fontRef idx="minor"/>
+        </p:style>
+        <p:txBody>
+          <a:bodyPr lIns="90000" rIns="90000" tIns="45000" bIns="45000" anchor="ctr"/>
           <a:p>
             <a:pPr>
               <a:lnSpc>
@@ -3844,7 +3592,7 @@
               </a:lnSpc>
             </a:pPr>
             <a:r>
-              <a:rPr lang="bg-BG" sz="4400" strike="noStrike">
+              <a:rPr lang="en-US" sz="4400" strike="noStrike">
                 <a:solidFill>
                   <a:srgbClr val="f79646"/>
                 </a:solidFill>
@@ -3858,14 +3606,14 @@
       </p:sp>
       <p:sp>
         <p:nvSpPr>
-          <p:cNvPr id="89" name="TextShape 2"/>
-          <p:cNvSpPr txBox="1"/>
+          <p:cNvPr id="83" name="CustomShape 2"/>
+          <p:cNvSpPr/>
           <p:nvPr/>
         </p:nvSpPr>
         <p:spPr>
           <a:xfrm>
             <a:off x="762120" y="1676520"/>
-            <a:ext cx="7619760" cy="4525560"/>
+            <a:ext cx="7619400" cy="4525200"/>
           </a:xfrm>
           <a:prstGeom prst="rect">
             <a:avLst/>
@@ -3875,8 +3623,14 @@
             <a:noFill/>
           </a:ln>
         </p:spPr>
-        <p:txBody>
-          <a:bodyPr/>
+        <p:style>
+          <a:lnRef idx="0"/>
+          <a:fillRef idx="0"/>
+          <a:effectRef idx="0"/>
+          <a:fontRef idx="minor"/>
+        </p:style>
+        <p:txBody>
+          <a:bodyPr lIns="90000" rIns="90000" tIns="45000" bIns="45000"/>
           <a:p>
             <a:pPr>
               <a:lnSpc>
@@ -3886,7 +3640,7 @@
               <a:buChar char=""/>
             </a:pPr>
             <a:r>
-              <a:rPr lang="bg-BG" sz="3200" strike="noStrike">
+              <a:rPr lang="en-US" sz="3200" strike="noStrike">
                 <a:solidFill>
                   <a:srgbClr val="f2f2f2"/>
                 </a:solidFill>
@@ -3905,7 +3659,7 @@
               <a:buChar char=""/>
             </a:pPr>
             <a:r>
-              <a:rPr lang="bg-BG" sz="3200" strike="noStrike">
+              <a:rPr lang="en-US" sz="3200" strike="noStrike">
                 <a:solidFill>
                   <a:srgbClr val="f2f2f2"/>
                 </a:solidFill>
@@ -3924,7 +3678,7 @@
               <a:buChar char=""/>
             </a:pPr>
             <a:r>
-              <a:rPr lang="bg-BG" sz="3200" strike="noStrike">
+              <a:rPr lang="en-US" sz="3200" strike="noStrike">
                 <a:solidFill>
                   <a:srgbClr val="f2f2f2"/>
                 </a:solidFill>
@@ -3932,18 +3686,18 @@
               </a:rPr>
               <a:t>- Пазарен дял</a:t>
             </a:r>
+            <a:endParaRPr/>
+          </a:p>
+          <a:p>
+            <a:pPr>
+              <a:lnSpc>
+                <a:spcPct val="100000"/>
+              </a:lnSpc>
+              <a:buFont typeface="Wingdings" charset="2"/>
+              <a:buChar char=""/>
+            </a:pPr>
             <a:r>
-              <a:rPr lang="bg-BG" sz="3200" strike="noStrike">
-                <a:solidFill>
-                  <a:srgbClr val="f2f2f2"/>
-                </a:solidFill>
-                <a:latin typeface="Calibri"/>
-              </a:rPr>
-              <a:t>
-</a:t>
-            </a:r>
-            <a:r>
-              <a:rPr lang="bg-BG" sz="3200" strike="noStrike">
+              <a:rPr lang="en-US" sz="3200" strike="noStrike">
                 <a:solidFill>
                   <a:srgbClr val="f2f2f2"/>
                 </a:solidFill>
@@ -3952,7 +3706,7 @@
               <a:t>	</a:t>
             </a:r>
             <a:r>
-              <a:rPr lang="bg-BG" sz="3200" strike="noStrike">
+              <a:rPr lang="en-US" sz="3200" strike="noStrike">
                 <a:solidFill>
                   <a:srgbClr val="f2f2f2"/>
                 </a:solidFill>
@@ -3971,7 +3725,7 @@
               <a:buChar char=""/>
             </a:pPr>
             <a:r>
-              <a:rPr lang="bg-BG" sz="3200" strike="noStrike">
+              <a:rPr lang="en-US" sz="3200" strike="noStrike">
                 <a:solidFill>
                   <a:srgbClr val="f2f2f2"/>
                 </a:solidFill>
@@ -3990,7 +3744,7 @@
               <a:buChar char=""/>
             </a:pPr>
             <a:r>
-              <a:rPr lang="bg-BG" sz="3200" strike="noStrike">
+              <a:rPr lang="en-US" sz="3200" strike="noStrike">
                 <a:solidFill>
                   <a:srgbClr val="f2f2f2"/>
                 </a:solidFill>
@@ -4061,14 +3815,14 @@
       </p:grpSpPr>
       <p:sp>
         <p:nvSpPr>
-          <p:cNvPr id="90" name="TextShape 1"/>
-          <p:cNvSpPr txBox="1"/>
+          <p:cNvPr id="84" name="CustomShape 1"/>
+          <p:cNvSpPr/>
           <p:nvPr/>
         </p:nvSpPr>
         <p:spPr>
           <a:xfrm>
             <a:off x="838080" y="685800"/>
-            <a:ext cx="8229240" cy="1142640"/>
+            <a:ext cx="8228880" cy="1142280"/>
           </a:xfrm>
           <a:prstGeom prst="rect">
             <a:avLst/>
@@ -4078,8 +3832,14 @@
             <a:noFill/>
           </a:ln>
         </p:spPr>
-        <p:txBody>
-          <a:bodyPr anchor="ctr"/>
+        <p:style>
+          <a:lnRef idx="0"/>
+          <a:fillRef idx="0"/>
+          <a:effectRef idx="0"/>
+          <a:fontRef idx="minor"/>
+        </p:style>
+        <p:txBody>
+          <a:bodyPr lIns="90000" rIns="90000" tIns="45000" bIns="45000" anchor="ctr"/>
           <a:p>
             <a:pPr>
               <a:lnSpc>
@@ -4087,7 +3847,7 @@
               </a:lnSpc>
             </a:pPr>
             <a:r>
-              <a:rPr lang="bg-BG" sz="4400" strike="noStrike">
+              <a:rPr lang="en-US" sz="4400" strike="noStrike">
                 <a:solidFill>
                   <a:srgbClr val="f79646"/>
                 </a:solidFill>
@@ -4101,14 +3861,14 @@
       </p:sp>
       <p:sp>
         <p:nvSpPr>
-          <p:cNvPr id="91" name="TextShape 2"/>
-          <p:cNvSpPr txBox="1"/>
+          <p:cNvPr id="85" name="CustomShape 2"/>
+          <p:cNvSpPr/>
           <p:nvPr/>
         </p:nvSpPr>
         <p:spPr>
           <a:xfrm>
             <a:off x="762120" y="1676520"/>
-            <a:ext cx="7619760" cy="4525560"/>
+            <a:ext cx="7619400" cy="4525200"/>
           </a:xfrm>
           <a:prstGeom prst="rect">
             <a:avLst/>
@@ -4118,8 +3878,14 @@
             <a:noFill/>
           </a:ln>
         </p:spPr>
-        <p:txBody>
-          <a:bodyPr/>
+        <p:style>
+          <a:lnRef idx="0"/>
+          <a:fillRef idx="0"/>
+          <a:effectRef idx="0"/>
+          <a:fontRef idx="minor"/>
+        </p:style>
+        <p:txBody>
+          <a:bodyPr lIns="90000" rIns="90000" tIns="45000" bIns="45000"/>
           <a:p>
             <a:pPr>
               <a:lnSpc>
@@ -4156,7 +3922,7 @@
       </p:sp>
       <p:pic>
         <p:nvPicPr>
-          <p:cNvPr id="92" name="Picture 3" descr=""/>
+          <p:cNvPr id="86" name="Picture 3" descr=""/>
           <p:cNvPicPr/>
           <p:nvPr/>
         </p:nvPicPr>
@@ -4167,7 +3933,7 @@
         <p:spPr>
           <a:xfrm>
             <a:off x="3505320" y="2057400"/>
-            <a:ext cx="2418840" cy="2418840"/>
+            <a:ext cx="2418480" cy="2418480"/>
           </a:xfrm>
           <a:prstGeom prst="rect">
             <a:avLst/>
